--- a/Day2/UsingPandas/Introduction to Pandas.pptx
+++ b/Day2/UsingPandas/Introduction to Pandas.pptx
@@ -10,7 +10,12 @@
     <p:sldId id="258" r:id="rId4"/>
     <p:sldId id="259" r:id="rId5"/>
     <p:sldId id="261" r:id="rId6"/>
-    <p:sldId id="260" r:id="rId7"/>
+    <p:sldId id="265" r:id="rId7"/>
+    <p:sldId id="266" r:id="rId8"/>
+    <p:sldId id="260" r:id="rId9"/>
+    <p:sldId id="262" r:id="rId10"/>
+    <p:sldId id="263" r:id="rId11"/>
+    <p:sldId id="264" r:id="rId12"/>
   </p:sldIdLst>
   <p:sldSz cx="12192000" cy="6858000"/>
   <p:notesSz cx="6858000" cy="9144000"/>
@@ -109,6 +114,11 @@
       </a:defRPr>
     </a:lvl9pPr>
   </p:defaultTextStyle>
+  <p:extLst>
+    <p:ext uri="{EFAFB233-063F-42B5-8137-9DF3F51BA10A}">
+      <p15:sldGuideLst xmlns:p15="http://schemas.microsoft.com/office/powerpoint/2012/main"/>
+    </p:ext>
+  </p:extLst>
 </p:presentation>
 </file>
 
@@ -243,7 +253,7 @@
           <a:p>
             <a:fld id="{C88B076F-C051-4C86-84B8-A2A3E7AA8D45}" type="datetimeFigureOut">
               <a:rPr lang="en-US" smtClean="0"/>
-              <a:t>4/9/2018</a:t>
+              <a:t>4/10/2018</a:t>
             </a:fld>
             <a:endParaRPr lang="en-US"/>
           </a:p>
@@ -413,7 +423,7 @@
           <a:p>
             <a:fld id="{C88B076F-C051-4C86-84B8-A2A3E7AA8D45}" type="datetimeFigureOut">
               <a:rPr lang="en-US" smtClean="0"/>
-              <a:t>4/9/2018</a:t>
+              <a:t>4/10/2018</a:t>
             </a:fld>
             <a:endParaRPr lang="en-US"/>
           </a:p>
@@ -593,7 +603,7 @@
           <a:p>
             <a:fld id="{C88B076F-C051-4C86-84B8-A2A3E7AA8D45}" type="datetimeFigureOut">
               <a:rPr lang="en-US" smtClean="0"/>
-              <a:t>4/9/2018</a:t>
+              <a:t>4/10/2018</a:t>
             </a:fld>
             <a:endParaRPr lang="en-US"/>
           </a:p>
@@ -763,7 +773,7 @@
           <a:p>
             <a:fld id="{C88B076F-C051-4C86-84B8-A2A3E7AA8D45}" type="datetimeFigureOut">
               <a:rPr lang="en-US" smtClean="0"/>
-              <a:t>4/9/2018</a:t>
+              <a:t>4/10/2018</a:t>
             </a:fld>
             <a:endParaRPr lang="en-US"/>
           </a:p>
@@ -1009,7 +1019,7 @@
           <a:p>
             <a:fld id="{C88B076F-C051-4C86-84B8-A2A3E7AA8D45}" type="datetimeFigureOut">
               <a:rPr lang="en-US" smtClean="0"/>
-              <a:t>4/9/2018</a:t>
+              <a:t>4/10/2018</a:t>
             </a:fld>
             <a:endParaRPr lang="en-US"/>
           </a:p>
@@ -1241,7 +1251,7 @@
           <a:p>
             <a:fld id="{C88B076F-C051-4C86-84B8-A2A3E7AA8D45}" type="datetimeFigureOut">
               <a:rPr lang="en-US" smtClean="0"/>
-              <a:t>4/9/2018</a:t>
+              <a:t>4/10/2018</a:t>
             </a:fld>
             <a:endParaRPr lang="en-US"/>
           </a:p>
@@ -1608,7 +1618,7 @@
           <a:p>
             <a:fld id="{C88B076F-C051-4C86-84B8-A2A3E7AA8D45}" type="datetimeFigureOut">
               <a:rPr lang="en-US" smtClean="0"/>
-              <a:t>4/9/2018</a:t>
+              <a:t>4/10/2018</a:t>
             </a:fld>
             <a:endParaRPr lang="en-US"/>
           </a:p>
@@ -1726,7 +1736,7 @@
           <a:p>
             <a:fld id="{C88B076F-C051-4C86-84B8-A2A3E7AA8D45}" type="datetimeFigureOut">
               <a:rPr lang="en-US" smtClean="0"/>
-              <a:t>4/9/2018</a:t>
+              <a:t>4/10/2018</a:t>
             </a:fld>
             <a:endParaRPr lang="en-US"/>
           </a:p>
@@ -1821,7 +1831,7 @@
           <a:p>
             <a:fld id="{C88B076F-C051-4C86-84B8-A2A3E7AA8D45}" type="datetimeFigureOut">
               <a:rPr lang="en-US" smtClean="0"/>
-              <a:t>4/9/2018</a:t>
+              <a:t>4/10/2018</a:t>
             </a:fld>
             <a:endParaRPr lang="en-US"/>
           </a:p>
@@ -2098,7 +2108,7 @@
           <a:p>
             <a:fld id="{C88B076F-C051-4C86-84B8-A2A3E7AA8D45}" type="datetimeFigureOut">
               <a:rPr lang="en-US" smtClean="0"/>
-              <a:t>4/9/2018</a:t>
+              <a:t>4/10/2018</a:t>
             </a:fld>
             <a:endParaRPr lang="en-US"/>
           </a:p>
@@ -2351,7 +2361,7 @@
           <a:p>
             <a:fld id="{C88B076F-C051-4C86-84B8-A2A3E7AA8D45}" type="datetimeFigureOut">
               <a:rPr lang="en-US" smtClean="0"/>
-              <a:t>4/9/2018</a:t>
+              <a:t>4/10/2018</a:t>
             </a:fld>
             <a:endParaRPr lang="en-US"/>
           </a:p>
@@ -2564,7 +2574,7 @@
           <a:p>
             <a:fld id="{C88B076F-C051-4C86-84B8-A2A3E7AA8D45}" type="datetimeFigureOut">
               <a:rPr lang="en-US" smtClean="0"/>
-              <a:t>4/9/2018</a:t>
+              <a:t>4/10/2018</a:t>
             </a:fld>
             <a:endParaRPr lang="en-US"/>
           </a:p>
@@ -3024,6 +3034,877 @@
 </p:sld>
 </file>
 
+<file path=ppt/slides/slide10.xml><?xml version="1.0" encoding="utf-8"?>
+<p:sld xmlns:a="http://schemas.openxmlformats.org/drawingml/2006/main" xmlns:r="http://schemas.openxmlformats.org/officeDocument/2006/relationships" xmlns:p="http://schemas.openxmlformats.org/presentationml/2006/main">
+  <p:cSld>
+    <p:spTree>
+      <p:nvGrpSpPr>
+        <p:cNvPr id="1" name=""/>
+        <p:cNvGrpSpPr/>
+        <p:nvPr/>
+      </p:nvGrpSpPr>
+      <p:grpSpPr>
+        <a:xfrm>
+          <a:off x="0" y="0"/>
+          <a:ext cx="0" cy="0"/>
+          <a:chOff x="0" y="0"/>
+          <a:chExt cx="0" cy="0"/>
+        </a:xfrm>
+      </p:grpSpPr>
+      <p:sp>
+        <p:nvSpPr>
+          <p:cNvPr id="2" name="Title 1"/>
+          <p:cNvSpPr>
+            <a:spLocks noGrp="1"/>
+          </p:cNvSpPr>
+          <p:nvPr>
+            <p:ph type="title"/>
+          </p:nvPr>
+        </p:nvSpPr>
+        <p:spPr/>
+        <p:txBody>
+          <a:bodyPr/>
+          <a:lstStyle/>
+          <a:p>
+            <a:r>
+              <a:rPr lang="en-US" dirty="0" smtClean="0"/>
+              <a:t>Subset Observations</a:t>
+            </a:r>
+            <a:endParaRPr lang="en-US" dirty="0"/>
+          </a:p>
+        </p:txBody>
+      </p:sp>
+      <p:sp>
+        <p:nvSpPr>
+          <p:cNvPr id="3" name="Content Placeholder 2"/>
+          <p:cNvSpPr>
+            <a:spLocks noGrp="1"/>
+          </p:cNvSpPr>
+          <p:nvPr>
+            <p:ph idx="1"/>
+          </p:nvPr>
+        </p:nvSpPr>
+        <p:spPr>
+          <a:xfrm>
+            <a:off x="838200" y="1405467"/>
+            <a:ext cx="10515600" cy="4771496"/>
+          </a:xfrm>
+        </p:spPr>
+        <p:txBody>
+          <a:bodyPr>
+            <a:normAutofit fontScale="92500" lnSpcReduction="10000"/>
+          </a:bodyPr>
+          <a:lstStyle/>
+          <a:p>
+            <a:pPr marL="0" indent="0">
+              <a:buNone/>
+            </a:pPr>
+            <a:r>
+              <a:rPr lang="en-US" sz="1800" dirty="0" err="1" smtClean="0">
+                <a:latin typeface="Consolas" panose="020B0609020204030204" pitchFamily="49" charset="0"/>
+              </a:rPr>
+              <a:t>df.head</a:t>
+            </a:r>
+            <a:r>
+              <a:rPr lang="en-US" sz="1800" dirty="0" smtClean="0">
+                <a:latin typeface="Consolas" panose="020B0609020204030204" pitchFamily="49" charset="0"/>
+              </a:rPr>
+              <a:t>(5) #Display the first 5 rows</a:t>
+            </a:r>
+          </a:p>
+          <a:p>
+            <a:pPr marL="0" indent="0">
+              <a:buNone/>
+            </a:pPr>
+            <a:r>
+              <a:rPr lang="en-US" sz="1800" dirty="0" err="1" smtClean="0">
+                <a:latin typeface="Consolas" panose="020B0609020204030204" pitchFamily="49" charset="0"/>
+              </a:rPr>
+              <a:t>df.tail</a:t>
+            </a:r>
+            <a:r>
+              <a:rPr lang="en-US" sz="1800" dirty="0" smtClean="0">
+                <a:latin typeface="Consolas" panose="020B0609020204030204" pitchFamily="49" charset="0"/>
+              </a:rPr>
+              <a:t>(5) #Display the last 5 rows</a:t>
+            </a:r>
+          </a:p>
+          <a:p>
+            <a:pPr marL="0" indent="0">
+              <a:buNone/>
+            </a:pPr>
+            <a:r>
+              <a:rPr lang="en-US" sz="1800" dirty="0" err="1" smtClean="0">
+                <a:latin typeface="Consolas" panose="020B0609020204030204" pitchFamily="49" charset="0"/>
+              </a:rPr>
+              <a:t>df.sample</a:t>
+            </a:r>
+            <a:r>
+              <a:rPr lang="en-US" sz="1800" dirty="0" smtClean="0">
+                <a:latin typeface="Consolas" panose="020B0609020204030204" pitchFamily="49" charset="0"/>
+              </a:rPr>
+              <a:t>(</a:t>
+            </a:r>
+            <a:r>
+              <a:rPr lang="en-US" sz="1800" dirty="0" err="1" smtClean="0">
+                <a:latin typeface="Consolas" panose="020B0609020204030204" pitchFamily="49" charset="0"/>
+              </a:rPr>
+              <a:t>frac</a:t>
+            </a:r>
+            <a:r>
+              <a:rPr lang="en-US" sz="1800" dirty="0" smtClean="0">
+                <a:latin typeface="Consolas" panose="020B0609020204030204" pitchFamily="49" charset="0"/>
+              </a:rPr>
+              <a:t>=0.5) #Randomly select half of the rows</a:t>
+            </a:r>
+          </a:p>
+          <a:p>
+            <a:pPr marL="0" indent="0">
+              <a:buNone/>
+            </a:pPr>
+            <a:r>
+              <a:rPr lang="en-US" sz="1800" dirty="0" err="1" smtClean="0">
+                <a:latin typeface="Consolas" panose="020B0609020204030204" pitchFamily="49" charset="0"/>
+              </a:rPr>
+              <a:t>df.describe</a:t>
+            </a:r>
+            <a:r>
+              <a:rPr lang="en-US" sz="1800" dirty="0" smtClean="0">
+                <a:latin typeface="Consolas" panose="020B0609020204030204" pitchFamily="49" charset="0"/>
+              </a:rPr>
+              <a:t>() #Display basic stats</a:t>
+            </a:r>
+          </a:p>
+          <a:p>
+            <a:pPr marL="0" indent="0">
+              <a:buNone/>
+            </a:pPr>
+            <a:endParaRPr lang="en-US" sz="1800" b="1" dirty="0">
+              <a:latin typeface="Consolas" panose="020B0609020204030204" pitchFamily="49" charset="0"/>
+            </a:endParaRPr>
+          </a:p>
+          <a:p>
+            <a:pPr marL="0" indent="0">
+              <a:buNone/>
+            </a:pPr>
+            <a:r>
+              <a:rPr lang="en-US" sz="1800" b="1" dirty="0" smtClean="0">
+                <a:latin typeface="Consolas" panose="020B0609020204030204" pitchFamily="49" charset="0"/>
+              </a:rPr>
+              <a:t>Slice data</a:t>
+            </a:r>
+          </a:p>
+          <a:p>
+            <a:pPr marL="0" indent="0">
+              <a:buNone/>
+            </a:pPr>
+            <a:r>
+              <a:rPr lang="en-US" sz="1800" b="1" dirty="0" err="1" smtClean="0">
+                <a:latin typeface="Consolas" panose="020B0609020204030204" pitchFamily="49" charset="0"/>
+              </a:rPr>
+              <a:t>iloc</a:t>
+            </a:r>
+            <a:r>
+              <a:rPr lang="en-US" sz="1800" b="1" dirty="0" smtClean="0">
+                <a:latin typeface="Consolas" panose="020B0609020204030204" pitchFamily="49" charset="0"/>
+              </a:rPr>
+              <a:t> for numerical indices, </a:t>
+            </a:r>
+            <a:r>
+              <a:rPr lang="en-US" sz="1800" b="1" dirty="0" err="1" smtClean="0">
+                <a:latin typeface="Consolas" panose="020B0609020204030204" pitchFamily="49" charset="0"/>
+              </a:rPr>
+              <a:t>loc</a:t>
+            </a:r>
+            <a:r>
+              <a:rPr lang="en-US" sz="1800" b="1" dirty="0" smtClean="0">
+                <a:latin typeface="Consolas" panose="020B0609020204030204" pitchFamily="49" charset="0"/>
+              </a:rPr>
+              <a:t> for named indices</a:t>
+            </a:r>
+          </a:p>
+          <a:p>
+            <a:pPr marL="0" indent="0">
+              <a:buNone/>
+            </a:pPr>
+            <a:r>
+              <a:rPr lang="en-US" sz="1800" dirty="0" err="1" smtClean="0">
+                <a:latin typeface="Consolas" panose="020B0609020204030204" pitchFamily="49" charset="0"/>
+              </a:rPr>
+              <a:t>df.iloc</a:t>
+            </a:r>
+            <a:r>
+              <a:rPr lang="en-US" sz="1800" dirty="0" smtClean="0">
+                <a:latin typeface="Consolas" panose="020B0609020204030204" pitchFamily="49" charset="0"/>
+              </a:rPr>
+              <a:t>[10:20,2:3] #Display rows 10-20, columns 2-3 (0 index)</a:t>
+            </a:r>
+          </a:p>
+          <a:p>
+            <a:pPr marL="0" indent="0">
+              <a:buNone/>
+            </a:pPr>
+            <a:r>
+              <a:rPr lang="en-US" sz="1800" dirty="0" err="1" smtClean="0">
+                <a:latin typeface="Consolas" panose="020B0609020204030204" pitchFamily="49" charset="0"/>
+              </a:rPr>
+              <a:t>df.iloc</a:t>
+            </a:r>
+            <a:r>
+              <a:rPr lang="en-US" sz="1800" dirty="0" smtClean="0">
+                <a:latin typeface="Consolas" panose="020B0609020204030204" pitchFamily="49" charset="0"/>
+              </a:rPr>
+              <a:t>[:,2:3] #Display all rows, columns 2-3</a:t>
+            </a:r>
+          </a:p>
+          <a:p>
+            <a:pPr marL="0" indent="0">
+              <a:buNone/>
+            </a:pPr>
+            <a:r>
+              <a:rPr lang="en-US" sz="1800" dirty="0" err="1" smtClean="0">
+                <a:solidFill>
+                  <a:srgbClr val="0070C0"/>
+                </a:solidFill>
+                <a:latin typeface="Consolas" panose="020B0609020204030204" pitchFamily="49" charset="0"/>
+              </a:rPr>
+              <a:t>df.loc</a:t>
+            </a:r>
+            <a:r>
+              <a:rPr lang="en-US" sz="1800" dirty="0" smtClean="0">
+                <a:solidFill>
+                  <a:srgbClr val="0070C0"/>
+                </a:solidFill>
+                <a:latin typeface="Consolas" panose="020B0609020204030204" pitchFamily="49" charset="0"/>
+              </a:rPr>
+              <a:t>[:,’C’] #Display column C </a:t>
+            </a:r>
+            <a:r>
+              <a:rPr lang="en-US" sz="1800" b="1" dirty="0" smtClean="0">
+                <a:solidFill>
+                  <a:srgbClr val="0070C0"/>
+                </a:solidFill>
+                <a:latin typeface="Consolas" panose="020B0609020204030204" pitchFamily="49" charset="0"/>
+              </a:rPr>
+              <a:t>Same as </a:t>
+            </a:r>
+            <a:r>
+              <a:rPr lang="en-US" sz="1800" b="1" dirty="0" err="1" smtClean="0">
+                <a:solidFill>
+                  <a:srgbClr val="0070C0"/>
+                </a:solidFill>
+                <a:latin typeface="Consolas" panose="020B0609020204030204" pitchFamily="49" charset="0"/>
+              </a:rPr>
+              <a:t>df</a:t>
+            </a:r>
+            <a:r>
+              <a:rPr lang="en-US" sz="1800" b="1" dirty="0" smtClean="0">
+                <a:solidFill>
+                  <a:srgbClr val="0070C0"/>
+                </a:solidFill>
+                <a:latin typeface="Consolas" panose="020B0609020204030204" pitchFamily="49" charset="0"/>
+              </a:rPr>
+              <a:t>[‘C’]</a:t>
+            </a:r>
+            <a:endParaRPr lang="en-US" sz="1800" dirty="0" smtClean="0">
+              <a:solidFill>
+                <a:srgbClr val="0070C0"/>
+              </a:solidFill>
+              <a:latin typeface="Consolas" panose="020B0609020204030204" pitchFamily="49" charset="0"/>
+            </a:endParaRPr>
+          </a:p>
+          <a:p>
+            <a:pPr marL="0" indent="0">
+              <a:buNone/>
+            </a:pPr>
+            <a:r>
+              <a:rPr lang="en-US" sz="1800" dirty="0" err="1" smtClean="0">
+                <a:latin typeface="Consolas" panose="020B0609020204030204" pitchFamily="49" charset="0"/>
+              </a:rPr>
+              <a:t>df</a:t>
+            </a:r>
+            <a:r>
+              <a:rPr lang="en-US" sz="1800" dirty="0" smtClean="0">
+                <a:latin typeface="Consolas" panose="020B0609020204030204" pitchFamily="49" charset="0"/>
+              </a:rPr>
+              <a:t>[’C’] = </a:t>
+            </a:r>
+            <a:r>
+              <a:rPr lang="en-US" sz="1800" dirty="0" err="1" smtClean="0">
+                <a:latin typeface="Consolas" panose="020B0609020204030204" pitchFamily="49" charset="0"/>
+              </a:rPr>
+              <a:t>df</a:t>
+            </a:r>
+            <a:r>
+              <a:rPr lang="en-US" sz="1800" dirty="0" smtClean="0">
+                <a:latin typeface="Consolas" panose="020B0609020204030204" pitchFamily="49" charset="0"/>
+              </a:rPr>
+              <a:t>[’A’] #Copy column A as column C</a:t>
+            </a:r>
+          </a:p>
+          <a:p>
+            <a:pPr marL="0" indent="0">
+              <a:buNone/>
+            </a:pPr>
+            <a:r>
+              <a:rPr lang="en-US" sz="1800" dirty="0" err="1" smtClean="0">
+                <a:latin typeface="Consolas" panose="020B0609020204030204" pitchFamily="49" charset="0"/>
+              </a:rPr>
+              <a:t>df</a:t>
+            </a:r>
+            <a:r>
+              <a:rPr lang="en-US" sz="1800" dirty="0" smtClean="0">
+                <a:latin typeface="Consolas" panose="020B0609020204030204" pitchFamily="49" charset="0"/>
+              </a:rPr>
+              <a:t>[’C’] = </a:t>
+            </a:r>
+            <a:r>
+              <a:rPr lang="en-US" sz="1800" dirty="0" err="1" smtClean="0">
+                <a:latin typeface="Consolas" panose="020B0609020204030204" pitchFamily="49" charset="0"/>
+              </a:rPr>
+              <a:t>df</a:t>
+            </a:r>
+            <a:r>
+              <a:rPr lang="en-US" sz="1800" dirty="0" smtClean="0">
+                <a:latin typeface="Consolas" panose="020B0609020204030204" pitchFamily="49" charset="0"/>
+              </a:rPr>
+              <a:t>[’A’] * 0.4536 #Apply an operation to a column</a:t>
+            </a:r>
+          </a:p>
+          <a:p>
+            <a:pPr marL="0" indent="0">
+              <a:buNone/>
+            </a:pPr>
+            <a:r>
+              <a:rPr lang="en-US" sz="1800" dirty="0" smtClean="0">
+                <a:latin typeface="Consolas" panose="020B0609020204030204" pitchFamily="49" charset="0"/>
+              </a:rPr>
+              <a:t>Can also use </a:t>
+            </a:r>
+            <a:r>
+              <a:rPr lang="en-US" sz="1800" b="1" dirty="0" smtClean="0">
+                <a:latin typeface="Consolas" panose="020B0609020204030204" pitchFamily="49" charset="0"/>
+              </a:rPr>
+              <a:t>apply </a:t>
+            </a:r>
+            <a:r>
+              <a:rPr lang="en-US" sz="1800" dirty="0" smtClean="0">
+                <a:latin typeface="Consolas" panose="020B0609020204030204" pitchFamily="49" charset="0"/>
+              </a:rPr>
+              <a:t>for a complicated function</a:t>
+            </a:r>
+            <a:endParaRPr lang="en-US" sz="1800" b="1" dirty="0" smtClean="0">
+              <a:latin typeface="Consolas" panose="020B0609020204030204" pitchFamily="49" charset="0"/>
+            </a:endParaRPr>
+          </a:p>
+          <a:p>
+            <a:pPr marL="0" indent="0">
+              <a:buNone/>
+            </a:pPr>
+            <a:r>
+              <a:rPr lang="en-US" sz="1800" dirty="0" err="1" smtClean="0">
+                <a:latin typeface="Consolas" panose="020B0609020204030204" pitchFamily="49" charset="0"/>
+              </a:rPr>
+              <a:t>df</a:t>
+            </a:r>
+            <a:r>
+              <a:rPr lang="en-US" sz="1800" dirty="0" smtClean="0">
+                <a:latin typeface="Consolas" panose="020B0609020204030204" pitchFamily="49" charset="0"/>
+              </a:rPr>
+              <a:t>[’C’] = </a:t>
+            </a:r>
+            <a:r>
+              <a:rPr lang="en-US" sz="1800" dirty="0" err="1" smtClean="0">
+                <a:latin typeface="Consolas" panose="020B0609020204030204" pitchFamily="49" charset="0"/>
+              </a:rPr>
+              <a:t>df</a:t>
+            </a:r>
+            <a:r>
+              <a:rPr lang="en-US" sz="1800" dirty="0" smtClean="0">
+                <a:latin typeface="Consolas" panose="020B0609020204030204" pitchFamily="49" charset="0"/>
+              </a:rPr>
+              <a:t>[’A’].apply(np.log) #Take the log of everything in column C.</a:t>
+            </a:r>
+          </a:p>
+          <a:p>
+            <a:pPr marL="0" indent="0">
+              <a:buNone/>
+            </a:pPr>
+            <a:endParaRPr lang="en-US" sz="1800" dirty="0" smtClean="0">
+              <a:latin typeface="Consolas" panose="020B0609020204030204" pitchFamily="49" charset="0"/>
+            </a:endParaRPr>
+          </a:p>
+          <a:p>
+            <a:pPr marL="0" indent="0">
+              <a:buNone/>
+            </a:pPr>
+            <a:endParaRPr lang="en-US" sz="1800" dirty="0">
+              <a:latin typeface="Consolas" panose="020B0609020204030204" pitchFamily="49" charset="0"/>
+            </a:endParaRPr>
+          </a:p>
+        </p:txBody>
+      </p:sp>
+    </p:spTree>
+    <p:extLst>
+      <p:ext uri="{BB962C8B-B14F-4D97-AF65-F5344CB8AC3E}">
+        <p14:creationId xmlns:p14="http://schemas.microsoft.com/office/powerpoint/2010/main" val="3564257780"/>
+      </p:ext>
+    </p:extLst>
+  </p:cSld>
+  <p:clrMapOvr>
+    <a:masterClrMapping/>
+  </p:clrMapOvr>
+</p:sld>
+</file>
+
+<file path=ppt/slides/slide11.xml><?xml version="1.0" encoding="utf-8"?>
+<p:sld xmlns:a="http://schemas.openxmlformats.org/drawingml/2006/main" xmlns:r="http://schemas.openxmlformats.org/officeDocument/2006/relationships" xmlns:p="http://schemas.openxmlformats.org/presentationml/2006/main">
+  <p:cSld>
+    <p:spTree>
+      <p:nvGrpSpPr>
+        <p:cNvPr id="1" name=""/>
+        <p:cNvGrpSpPr/>
+        <p:nvPr/>
+      </p:nvGrpSpPr>
+      <p:grpSpPr>
+        <a:xfrm>
+          <a:off x="0" y="0"/>
+          <a:ext cx="0" cy="0"/>
+          <a:chOff x="0" y="0"/>
+          <a:chExt cx="0" cy="0"/>
+        </a:xfrm>
+      </p:grpSpPr>
+      <p:sp>
+        <p:nvSpPr>
+          <p:cNvPr id="2" name="Title 1"/>
+          <p:cNvSpPr>
+            <a:spLocks noGrp="1"/>
+          </p:cNvSpPr>
+          <p:nvPr>
+            <p:ph type="title"/>
+          </p:nvPr>
+        </p:nvSpPr>
+        <p:spPr/>
+        <p:txBody>
+          <a:bodyPr/>
+          <a:lstStyle/>
+          <a:p>
+            <a:r>
+              <a:rPr lang="en-US" dirty="0" smtClean="0"/>
+              <a:t>Doing stuff to data</a:t>
+            </a:r>
+            <a:endParaRPr lang="en-US" dirty="0"/>
+          </a:p>
+        </p:txBody>
+      </p:sp>
+      <p:sp>
+        <p:nvSpPr>
+          <p:cNvPr id="3" name="Content Placeholder 2"/>
+          <p:cNvSpPr>
+            <a:spLocks noGrp="1"/>
+          </p:cNvSpPr>
+          <p:nvPr>
+            <p:ph idx="1"/>
+          </p:nvPr>
+        </p:nvSpPr>
+        <p:spPr/>
+        <p:txBody>
+          <a:bodyPr>
+            <a:normAutofit/>
+          </a:bodyPr>
+          <a:lstStyle/>
+          <a:p>
+            <a:pPr marL="0" indent="0">
+              <a:buNone/>
+            </a:pPr>
+            <a:r>
+              <a:rPr lang="en-US" sz="1600" dirty="0" err="1" smtClean="0">
+                <a:latin typeface="Consolas" panose="020B0609020204030204" pitchFamily="49" charset="0"/>
+              </a:rPr>
+              <a:t>df</a:t>
+            </a:r>
+            <a:r>
+              <a:rPr lang="en-US" sz="1600" dirty="0" smtClean="0">
+                <a:latin typeface="Consolas" panose="020B0609020204030204" pitchFamily="49" charset="0"/>
+              </a:rPr>
+              <a:t>[’C</a:t>
+            </a:r>
+            <a:r>
+              <a:rPr lang="en-US" sz="1600" dirty="0">
+                <a:latin typeface="Consolas" panose="020B0609020204030204" pitchFamily="49" charset="0"/>
+              </a:rPr>
+              <a:t>’] = </a:t>
+            </a:r>
+            <a:r>
+              <a:rPr lang="en-US" sz="1600" dirty="0" err="1" smtClean="0">
+                <a:latin typeface="Consolas" panose="020B0609020204030204" pitchFamily="49" charset="0"/>
+              </a:rPr>
+              <a:t>df</a:t>
+            </a:r>
+            <a:r>
+              <a:rPr lang="en-US" sz="1600" dirty="0" smtClean="0">
+                <a:latin typeface="Consolas" panose="020B0609020204030204" pitchFamily="49" charset="0"/>
+              </a:rPr>
+              <a:t>[’A</a:t>
+            </a:r>
+            <a:r>
+              <a:rPr lang="en-US" sz="1600" dirty="0">
+                <a:latin typeface="Consolas" panose="020B0609020204030204" pitchFamily="49" charset="0"/>
+              </a:rPr>
+              <a:t>’] * 0.4536 </a:t>
+            </a:r>
+            <a:endParaRPr lang="en-US" sz="1600" dirty="0" smtClean="0">
+              <a:latin typeface="Consolas" panose="020B0609020204030204" pitchFamily="49" charset="0"/>
+            </a:endParaRPr>
+          </a:p>
+          <a:p>
+            <a:pPr marL="0" indent="0">
+              <a:buNone/>
+            </a:pPr>
+            <a:r>
+              <a:rPr lang="en-US" sz="1600" dirty="0">
+                <a:latin typeface="Consolas" panose="020B0609020204030204" pitchFamily="49" charset="0"/>
+              </a:rPr>
+              <a:t>	</a:t>
+            </a:r>
+            <a:r>
+              <a:rPr lang="en-US" sz="1600" dirty="0" smtClean="0">
+                <a:latin typeface="Consolas" panose="020B0609020204030204" pitchFamily="49" charset="0"/>
+              </a:rPr>
+              <a:t>Apply </a:t>
+            </a:r>
+            <a:r>
+              <a:rPr lang="en-US" sz="1600" dirty="0">
+                <a:latin typeface="Consolas" panose="020B0609020204030204" pitchFamily="49" charset="0"/>
+              </a:rPr>
+              <a:t>an operation to a column</a:t>
+            </a:r>
+          </a:p>
+          <a:p>
+            <a:pPr marL="0" indent="0">
+              <a:buNone/>
+            </a:pPr>
+            <a:endParaRPr lang="en-US" sz="1600" dirty="0" smtClean="0">
+              <a:latin typeface="Consolas" panose="020B0609020204030204" pitchFamily="49" charset="0"/>
+            </a:endParaRPr>
+          </a:p>
+          <a:p>
+            <a:pPr marL="0" indent="0">
+              <a:buNone/>
+            </a:pPr>
+            <a:r>
+              <a:rPr lang="en-US" sz="1600" dirty="0" smtClean="0">
+                <a:latin typeface="Consolas" panose="020B0609020204030204" pitchFamily="49" charset="0"/>
+              </a:rPr>
+              <a:t>Can </a:t>
+            </a:r>
+            <a:r>
+              <a:rPr lang="en-US" sz="1600" dirty="0">
+                <a:latin typeface="Consolas" panose="020B0609020204030204" pitchFamily="49" charset="0"/>
+              </a:rPr>
+              <a:t>also use </a:t>
+            </a:r>
+            <a:r>
+              <a:rPr lang="en-US" sz="1600" b="1" dirty="0">
+                <a:latin typeface="Consolas" panose="020B0609020204030204" pitchFamily="49" charset="0"/>
+              </a:rPr>
+              <a:t>apply </a:t>
+            </a:r>
+            <a:r>
+              <a:rPr lang="en-US" sz="1600" dirty="0">
+                <a:latin typeface="Consolas" panose="020B0609020204030204" pitchFamily="49" charset="0"/>
+              </a:rPr>
+              <a:t>for a complicated function</a:t>
+            </a:r>
+            <a:endParaRPr lang="en-US" sz="1600" b="1" dirty="0">
+              <a:latin typeface="Consolas" panose="020B0609020204030204" pitchFamily="49" charset="0"/>
+            </a:endParaRPr>
+          </a:p>
+          <a:p>
+            <a:pPr marL="0" indent="0">
+              <a:buNone/>
+            </a:pPr>
+            <a:r>
+              <a:rPr lang="en-US" sz="1600" dirty="0" err="1" smtClean="0">
+                <a:latin typeface="Consolas" panose="020B0609020204030204" pitchFamily="49" charset="0"/>
+              </a:rPr>
+              <a:t>df</a:t>
+            </a:r>
+            <a:r>
+              <a:rPr lang="en-US" sz="1600" dirty="0" smtClean="0">
+                <a:latin typeface="Consolas" panose="020B0609020204030204" pitchFamily="49" charset="0"/>
+              </a:rPr>
+              <a:t>[’C</a:t>
+            </a:r>
+            <a:r>
+              <a:rPr lang="en-US" sz="1600" dirty="0">
+                <a:latin typeface="Consolas" panose="020B0609020204030204" pitchFamily="49" charset="0"/>
+              </a:rPr>
+              <a:t>’] = </a:t>
+            </a:r>
+            <a:r>
+              <a:rPr lang="en-US" sz="1600" dirty="0" err="1" smtClean="0">
+                <a:latin typeface="Consolas" panose="020B0609020204030204" pitchFamily="49" charset="0"/>
+              </a:rPr>
+              <a:t>df</a:t>
+            </a:r>
+            <a:r>
+              <a:rPr lang="en-US" sz="1600" dirty="0" smtClean="0">
+                <a:latin typeface="Consolas" panose="020B0609020204030204" pitchFamily="49" charset="0"/>
+              </a:rPr>
+              <a:t>[’A</a:t>
+            </a:r>
+            <a:r>
+              <a:rPr lang="en-US" sz="1600" dirty="0">
+                <a:latin typeface="Consolas" panose="020B0609020204030204" pitchFamily="49" charset="0"/>
+              </a:rPr>
+              <a:t>’].apply(np.log) </a:t>
+            </a:r>
+            <a:endParaRPr lang="en-US" sz="1600" dirty="0" smtClean="0">
+              <a:latin typeface="Consolas" panose="020B0609020204030204" pitchFamily="49" charset="0"/>
+            </a:endParaRPr>
+          </a:p>
+          <a:p>
+            <a:pPr marL="0" indent="0">
+              <a:buNone/>
+            </a:pPr>
+            <a:r>
+              <a:rPr lang="en-US" sz="1600" dirty="0">
+                <a:latin typeface="Consolas" panose="020B0609020204030204" pitchFamily="49" charset="0"/>
+              </a:rPr>
+              <a:t>	</a:t>
+            </a:r>
+            <a:r>
+              <a:rPr lang="en-US" sz="1600" dirty="0" smtClean="0">
+                <a:latin typeface="Consolas" panose="020B0609020204030204" pitchFamily="49" charset="0"/>
+              </a:rPr>
+              <a:t>Take </a:t>
+            </a:r>
+            <a:r>
+              <a:rPr lang="en-US" sz="1600" dirty="0">
+                <a:latin typeface="Consolas" panose="020B0609020204030204" pitchFamily="49" charset="0"/>
+              </a:rPr>
+              <a:t>the log of everything in column C</a:t>
+            </a:r>
+            <a:r>
+              <a:rPr lang="en-US" sz="1600" dirty="0" smtClean="0">
+                <a:latin typeface="Consolas" panose="020B0609020204030204" pitchFamily="49" charset="0"/>
+              </a:rPr>
+              <a:t>.</a:t>
+            </a:r>
+          </a:p>
+          <a:p>
+            <a:pPr marL="0" indent="0">
+              <a:buNone/>
+            </a:pPr>
+            <a:endParaRPr lang="en-US" sz="1600" dirty="0">
+              <a:latin typeface="Consolas" panose="020B0609020204030204" pitchFamily="49" charset="0"/>
+            </a:endParaRPr>
+          </a:p>
+          <a:p>
+            <a:pPr marL="0" indent="0">
+              <a:buNone/>
+            </a:pPr>
+            <a:r>
+              <a:rPr lang="en-US" sz="1600" dirty="0" err="1" smtClean="0">
+                <a:latin typeface="Consolas" panose="020B0609020204030204" pitchFamily="49" charset="0"/>
+              </a:rPr>
+              <a:t>def</a:t>
+            </a:r>
+            <a:r>
+              <a:rPr lang="en-US" sz="1600" dirty="0" smtClean="0">
+                <a:latin typeface="Consolas" panose="020B0609020204030204" pitchFamily="49" charset="0"/>
+              </a:rPr>
+              <a:t> </a:t>
+            </a:r>
+            <a:r>
+              <a:rPr lang="en-US" sz="1600" dirty="0" err="1" smtClean="0">
+                <a:latin typeface="Consolas" panose="020B0609020204030204" pitchFamily="49" charset="0"/>
+              </a:rPr>
+              <a:t>myfunction</a:t>
+            </a:r>
+            <a:r>
+              <a:rPr lang="en-US" sz="1600" dirty="0" smtClean="0">
+                <a:latin typeface="Consolas" panose="020B0609020204030204" pitchFamily="49" charset="0"/>
+              </a:rPr>
+              <a:t>(x):</a:t>
+            </a:r>
+          </a:p>
+          <a:p>
+            <a:pPr marL="0" indent="0">
+              <a:buNone/>
+            </a:pPr>
+            <a:r>
+              <a:rPr lang="en-US" sz="1600" dirty="0" smtClean="0">
+                <a:latin typeface="Consolas" panose="020B0609020204030204" pitchFamily="49" charset="0"/>
+              </a:rPr>
+              <a:t>    return </a:t>
+            </a:r>
+            <a:r>
+              <a:rPr lang="en-US" sz="1600" dirty="0" err="1" smtClean="0">
+                <a:latin typeface="Consolas" panose="020B0609020204030204" pitchFamily="49" charset="0"/>
+              </a:rPr>
+              <a:t>x+x-x</a:t>
+            </a:r>
+            <a:r>
+              <a:rPr lang="en-US" sz="1600" dirty="0" smtClean="0">
+                <a:latin typeface="Consolas" panose="020B0609020204030204" pitchFamily="49" charset="0"/>
+              </a:rPr>
+              <a:t>*x/35+22</a:t>
+            </a:r>
+          </a:p>
+          <a:p>
+            <a:pPr marL="0" indent="0">
+              <a:buNone/>
+            </a:pPr>
+            <a:endParaRPr lang="en-US" sz="1600" dirty="0">
+              <a:latin typeface="Consolas" panose="020B0609020204030204" pitchFamily="49" charset="0"/>
+            </a:endParaRPr>
+          </a:p>
+          <a:p>
+            <a:pPr marL="0" indent="0">
+              <a:buNone/>
+            </a:pPr>
+            <a:r>
+              <a:rPr lang="en-US" sz="1600" dirty="0" err="1" smtClean="0">
+                <a:latin typeface="Consolas" panose="020B0609020204030204" pitchFamily="49" charset="0"/>
+              </a:rPr>
+              <a:t>df</a:t>
+            </a:r>
+            <a:r>
+              <a:rPr lang="en-US" sz="1600" dirty="0" smtClean="0">
+                <a:latin typeface="Consolas" panose="020B0609020204030204" pitchFamily="49" charset="0"/>
+              </a:rPr>
+              <a:t>[’C</a:t>
+            </a:r>
+            <a:r>
+              <a:rPr lang="en-US" sz="1600" dirty="0">
+                <a:latin typeface="Consolas" panose="020B0609020204030204" pitchFamily="49" charset="0"/>
+              </a:rPr>
+              <a:t>’] = </a:t>
+            </a:r>
+            <a:r>
+              <a:rPr lang="en-US" sz="1600" dirty="0" err="1" smtClean="0">
+                <a:latin typeface="Consolas" panose="020B0609020204030204" pitchFamily="49" charset="0"/>
+              </a:rPr>
+              <a:t>df</a:t>
+            </a:r>
+            <a:r>
+              <a:rPr lang="en-US" sz="1600" dirty="0" smtClean="0">
+                <a:latin typeface="Consolas" panose="020B0609020204030204" pitchFamily="49" charset="0"/>
+              </a:rPr>
+              <a:t>[’A</a:t>
+            </a:r>
+            <a:r>
+              <a:rPr lang="en-US" sz="1600" dirty="0">
+                <a:latin typeface="Consolas" panose="020B0609020204030204" pitchFamily="49" charset="0"/>
+              </a:rPr>
+              <a:t>’].</a:t>
+            </a:r>
+            <a:r>
+              <a:rPr lang="en-US" sz="1600" dirty="0" smtClean="0">
+                <a:latin typeface="Consolas" panose="020B0609020204030204" pitchFamily="49" charset="0"/>
+              </a:rPr>
+              <a:t>apply(</a:t>
+            </a:r>
+            <a:r>
+              <a:rPr lang="en-US" sz="1600" dirty="0" err="1" smtClean="0">
+                <a:latin typeface="Consolas" panose="020B0609020204030204" pitchFamily="49" charset="0"/>
+              </a:rPr>
+              <a:t>myfunction</a:t>
+            </a:r>
+            <a:r>
+              <a:rPr lang="en-US" sz="1600" dirty="0" smtClean="0">
+                <a:latin typeface="Consolas" panose="020B0609020204030204" pitchFamily="49" charset="0"/>
+              </a:rPr>
+              <a:t>) </a:t>
+            </a:r>
+          </a:p>
+          <a:p>
+            <a:pPr marL="0" indent="0">
+              <a:buNone/>
+            </a:pPr>
+            <a:r>
+              <a:rPr lang="en-US" sz="1600" dirty="0">
+                <a:latin typeface="Consolas" panose="020B0609020204030204" pitchFamily="49" charset="0"/>
+              </a:rPr>
+              <a:t>	</a:t>
+            </a:r>
+            <a:r>
+              <a:rPr lang="en-US" sz="1600" dirty="0" smtClean="0">
+                <a:latin typeface="Consolas" panose="020B0609020204030204" pitchFamily="49" charset="0"/>
+              </a:rPr>
+              <a:t>Do complicated math</a:t>
+            </a:r>
+          </a:p>
+          <a:p>
+            <a:pPr marL="0" indent="0">
+              <a:buNone/>
+            </a:pPr>
+            <a:endParaRPr lang="en-US" sz="1600" dirty="0">
+              <a:latin typeface="Consolas" panose="020B0609020204030204" pitchFamily="49" charset="0"/>
+            </a:endParaRPr>
+          </a:p>
+          <a:p>
+            <a:pPr marL="0" indent="0">
+              <a:buNone/>
+            </a:pPr>
+            <a:endParaRPr lang="en-US" sz="1600" dirty="0"/>
+          </a:p>
+        </p:txBody>
+      </p:sp>
+      <p:sp>
+        <p:nvSpPr>
+          <p:cNvPr id="4" name="Rectangle 3"/>
+          <p:cNvSpPr/>
+          <p:nvPr/>
+        </p:nvSpPr>
+        <p:spPr>
+          <a:xfrm>
+            <a:off x="838200" y="4199467"/>
+            <a:ext cx="6189133" cy="1820333"/>
+          </a:xfrm>
+          <a:prstGeom prst="rect">
+            <a:avLst/>
+          </a:prstGeom>
+          <a:noFill/>
+        </p:spPr>
+        <p:style>
+          <a:lnRef idx="2">
+            <a:schemeClr val="accent1"/>
+          </a:lnRef>
+          <a:fillRef idx="1">
+            <a:schemeClr val="lt1"/>
+          </a:fillRef>
+          <a:effectRef idx="0">
+            <a:schemeClr val="accent1"/>
+          </a:effectRef>
+          <a:fontRef idx="minor">
+            <a:schemeClr val="dk1"/>
+          </a:fontRef>
+        </p:style>
+        <p:txBody>
+          <a:bodyPr rtlCol="0" anchor="ctr"/>
+          <a:lstStyle/>
+          <a:p>
+            <a:pPr algn="ctr"/>
+            <a:endParaRPr lang="en-US"/>
+          </a:p>
+        </p:txBody>
+      </p:sp>
+    </p:spTree>
+    <p:extLst>
+      <p:ext uri="{BB962C8B-B14F-4D97-AF65-F5344CB8AC3E}">
+        <p14:creationId xmlns:p14="http://schemas.microsoft.com/office/powerpoint/2010/main" val="779032551"/>
+      </p:ext>
+    </p:extLst>
+  </p:cSld>
+  <p:clrMapOvr>
+    <a:masterClrMapping/>
+  </p:clrMapOvr>
+</p:sld>
+</file>
+
 <file path=ppt/slides/slide2.xml><?xml version="1.0" encoding="utf-8"?>
 <p:sld xmlns:a="http://schemas.openxmlformats.org/drawingml/2006/main" xmlns:r="http://schemas.openxmlformats.org/officeDocument/2006/relationships" xmlns:p="http://schemas.openxmlformats.org/presentationml/2006/main">
   <p:cSld>
@@ -3556,7 +4437,9 @@
         </p:nvSpPr>
         <p:spPr/>
         <p:txBody>
-          <a:bodyPr/>
+          <a:bodyPr>
+            <a:normAutofit fontScale="92500" lnSpcReduction="10000"/>
+          </a:bodyPr>
           <a:lstStyle/>
           <a:p>
             <a:r>
@@ -3606,14 +4489,56 @@
               <a:rPr lang="en-US" dirty="0" err="1" smtClean="0">
                 <a:latin typeface="Consolas" panose="020B0609020204030204" pitchFamily="49" charset="0"/>
               </a:rPr>
-              <a:t>pd.read_xxx</a:t>
+              <a:t>pd.read_excel</a:t>
             </a:r>
             <a:r>
               <a:rPr lang="en-US" dirty="0" smtClean="0">
                 <a:latin typeface="Consolas" panose="020B0609020204030204" pitchFamily="49" charset="0"/>
               </a:rPr>
-              <a:t>(‘file’)</a:t>
-            </a:r>
+              <a:t>(‘</a:t>
+            </a:r>
+            <a:r>
+              <a:rPr lang="en-US" dirty="0" smtClean="0">
+                <a:latin typeface="Consolas" panose="020B0609020204030204" pitchFamily="49" charset="0"/>
+              </a:rPr>
+              <a:t>file</a:t>
+            </a:r>
+            <a:r>
+              <a:rPr lang="en-US" dirty="0" smtClean="0">
+                <a:latin typeface="Consolas" panose="020B0609020204030204" pitchFamily="49" charset="0"/>
+              </a:rPr>
+              <a:t>’)</a:t>
+            </a:r>
+          </a:p>
+          <a:p>
+            <a:pPr lvl="2"/>
+            <a:r>
+              <a:rPr lang="en-US" dirty="0" smtClean="0">
+                <a:latin typeface="Consolas" panose="020B0609020204030204" pitchFamily="49" charset="0"/>
+              </a:rPr>
+              <a:t>See documentation for many ways to modify this</a:t>
+            </a:r>
+          </a:p>
+          <a:p>
+            <a:pPr lvl="2"/>
+            <a:r>
+              <a:rPr lang="en-US" dirty="0" smtClean="0">
+                <a:latin typeface="Consolas" panose="020B0609020204030204" pitchFamily="49" charset="0"/>
+              </a:rPr>
+              <a:t>Pandas will guess at unknowns (it does a decent job)</a:t>
+            </a:r>
+          </a:p>
+          <a:p>
+            <a:pPr lvl="2"/>
+            <a:r>
+              <a:rPr lang="en-US" dirty="0" smtClean="0">
+                <a:latin typeface="Consolas" panose="020B0609020204030204" pitchFamily="49" charset="0"/>
+              </a:rPr>
+              <a:t>Set it and forget it. It’s worth it.</a:t>
+            </a:r>
+            <a:endParaRPr lang="en-US" dirty="0" smtClean="0">
+              <a:latin typeface="Consolas" panose="020B0609020204030204" pitchFamily="49" charset="0"/>
+            </a:endParaRPr>
           </a:p>
           <a:p>
             <a:pPr lvl="1"/>
@@ -3726,6 +4651,859 @@
 </file>
 
 <file path=ppt/slides/slide6.xml><?xml version="1.0" encoding="utf-8"?>
+<p:sld xmlns:a="http://schemas.openxmlformats.org/drawingml/2006/main" xmlns:r="http://schemas.openxmlformats.org/officeDocument/2006/relationships" xmlns:p="http://schemas.openxmlformats.org/presentationml/2006/main">
+  <p:cSld>
+    <p:spTree>
+      <p:nvGrpSpPr>
+        <p:cNvPr id="1" name=""/>
+        <p:cNvGrpSpPr/>
+        <p:nvPr/>
+      </p:nvGrpSpPr>
+      <p:grpSpPr>
+        <a:xfrm>
+          <a:off x="0" y="0"/>
+          <a:ext cx="0" cy="0"/>
+          <a:chOff x="0" y="0"/>
+          <a:chExt cx="0" cy="0"/>
+        </a:xfrm>
+      </p:grpSpPr>
+      <p:sp>
+        <p:nvSpPr>
+          <p:cNvPr id="2" name="Title 1"/>
+          <p:cNvSpPr>
+            <a:spLocks noGrp="1"/>
+          </p:cNvSpPr>
+          <p:nvPr>
+            <p:ph type="title"/>
+          </p:nvPr>
+        </p:nvSpPr>
+        <p:spPr/>
+        <p:txBody>
+          <a:bodyPr/>
+          <a:lstStyle/>
+          <a:p>
+            <a:r>
+              <a:rPr lang="en-US" dirty="0" smtClean="0"/>
+              <a:t>Common read parameters</a:t>
+            </a:r>
+            <a:endParaRPr lang="en-US" dirty="0"/>
+          </a:p>
+        </p:txBody>
+      </p:sp>
+      <p:sp>
+        <p:nvSpPr>
+          <p:cNvPr id="3" name="Content Placeholder 2"/>
+          <p:cNvSpPr>
+            <a:spLocks noGrp="1"/>
+          </p:cNvSpPr>
+          <p:nvPr>
+            <p:ph idx="1"/>
+          </p:nvPr>
+        </p:nvSpPr>
+        <p:spPr/>
+        <p:txBody>
+          <a:bodyPr>
+            <a:normAutofit fontScale="92500" lnSpcReduction="20000"/>
+          </a:bodyPr>
+          <a:lstStyle/>
+          <a:p>
+            <a:pPr marL="0" indent="0">
+              <a:buNone/>
+            </a:pPr>
+            <a:r>
+              <a:rPr lang="en-US" dirty="0" err="1" smtClean="0">
+                <a:latin typeface="Consolas" panose="020B0609020204030204" pitchFamily="49" charset="0"/>
+              </a:rPr>
+              <a:t>df</a:t>
+            </a:r>
+            <a:r>
+              <a:rPr lang="en-US" dirty="0" smtClean="0">
+                <a:latin typeface="Consolas" panose="020B0609020204030204" pitchFamily="49" charset="0"/>
+              </a:rPr>
+              <a:t> = </a:t>
+            </a:r>
+            <a:r>
+              <a:rPr lang="en-US" dirty="0" err="1" smtClean="0">
+                <a:latin typeface="Consolas" panose="020B0609020204030204" pitchFamily="49" charset="0"/>
+              </a:rPr>
+              <a:t>pd.read_table</a:t>
+            </a:r>
+            <a:r>
+              <a:rPr lang="en-US" dirty="0" smtClean="0">
+                <a:latin typeface="Consolas" panose="020B0609020204030204" pitchFamily="49" charset="0"/>
+              </a:rPr>
+              <a:t>([file name], param1=x, param2=x)</a:t>
+            </a:r>
+            <a:br>
+              <a:rPr lang="en-US" dirty="0" smtClean="0">
+                <a:latin typeface="Consolas" panose="020B0609020204030204" pitchFamily="49" charset="0"/>
+              </a:rPr>
+            </a:br>
+            <a:r>
+              <a:rPr lang="en-US" dirty="0" smtClean="0">
+                <a:latin typeface="Consolas" panose="020B0609020204030204" pitchFamily="49" charset="0"/>
+              </a:rPr>
+              <a:t>        </a:t>
+            </a:r>
+            <a:r>
+              <a:rPr lang="en-US" dirty="0" err="1" smtClean="0">
+                <a:solidFill>
+                  <a:schemeClr val="bg1">
+                    <a:lumMod val="75000"/>
+                  </a:schemeClr>
+                </a:solidFill>
+                <a:latin typeface="Consolas" panose="020B0609020204030204" pitchFamily="49" charset="0"/>
+              </a:rPr>
+              <a:t>read_csv</a:t>
+            </a:r>
+            <a:r>
+              <a:rPr lang="en-US" dirty="0" smtClean="0">
+                <a:solidFill>
+                  <a:schemeClr val="bg1">
+                    <a:lumMod val="75000"/>
+                  </a:schemeClr>
+                </a:solidFill>
+                <a:latin typeface="Consolas" panose="020B0609020204030204" pitchFamily="49" charset="0"/>
+              </a:rPr>
+              <a:t/>
+            </a:r>
+            <a:br>
+              <a:rPr lang="en-US" dirty="0" smtClean="0">
+                <a:solidFill>
+                  <a:schemeClr val="bg1">
+                    <a:lumMod val="75000"/>
+                  </a:schemeClr>
+                </a:solidFill>
+                <a:latin typeface="Consolas" panose="020B0609020204030204" pitchFamily="49" charset="0"/>
+              </a:rPr>
+            </a:br>
+            <a:r>
+              <a:rPr lang="en-US" dirty="0" smtClean="0">
+                <a:solidFill>
+                  <a:schemeClr val="bg1">
+                    <a:lumMod val="75000"/>
+                  </a:schemeClr>
+                </a:solidFill>
+                <a:latin typeface="Consolas" panose="020B0609020204030204" pitchFamily="49" charset="0"/>
+              </a:rPr>
+              <a:t>        </a:t>
+            </a:r>
+            <a:r>
+              <a:rPr lang="en-US" dirty="0" err="1" smtClean="0">
+                <a:solidFill>
+                  <a:schemeClr val="bg1">
+                    <a:lumMod val="75000"/>
+                  </a:schemeClr>
+                </a:solidFill>
+                <a:latin typeface="Consolas" panose="020B0609020204030204" pitchFamily="49" charset="0"/>
+              </a:rPr>
+              <a:t>read_json</a:t>
+            </a:r>
+            <a:r>
+              <a:rPr lang="en-US" dirty="0" smtClean="0">
+                <a:solidFill>
+                  <a:schemeClr val="bg1">
+                    <a:lumMod val="75000"/>
+                  </a:schemeClr>
+                </a:solidFill>
+                <a:latin typeface="Consolas" panose="020B0609020204030204" pitchFamily="49" charset="0"/>
+              </a:rPr>
+              <a:t/>
+            </a:r>
+            <a:br>
+              <a:rPr lang="en-US" dirty="0" smtClean="0">
+                <a:solidFill>
+                  <a:schemeClr val="bg1">
+                    <a:lumMod val="75000"/>
+                  </a:schemeClr>
+                </a:solidFill>
+                <a:latin typeface="Consolas" panose="020B0609020204030204" pitchFamily="49" charset="0"/>
+              </a:rPr>
+            </a:br>
+            <a:r>
+              <a:rPr lang="en-US" dirty="0" smtClean="0">
+                <a:solidFill>
+                  <a:schemeClr val="bg1">
+                    <a:lumMod val="75000"/>
+                  </a:schemeClr>
+                </a:solidFill>
+                <a:latin typeface="Consolas" panose="020B0609020204030204" pitchFamily="49" charset="0"/>
+              </a:rPr>
+              <a:t>        </a:t>
+            </a:r>
+            <a:r>
+              <a:rPr lang="en-US" dirty="0" err="1" smtClean="0">
+                <a:solidFill>
+                  <a:schemeClr val="bg1">
+                    <a:lumMod val="75000"/>
+                  </a:schemeClr>
+                </a:solidFill>
+                <a:latin typeface="Consolas" panose="020B0609020204030204" pitchFamily="49" charset="0"/>
+              </a:rPr>
+              <a:t>read_excel</a:t>
+            </a:r>
+            <a:endParaRPr lang="en-US" dirty="0" smtClean="0">
+              <a:solidFill>
+                <a:schemeClr val="bg1">
+                  <a:lumMod val="75000"/>
+                </a:schemeClr>
+              </a:solidFill>
+              <a:latin typeface="Consolas" panose="020B0609020204030204" pitchFamily="49" charset="0"/>
+            </a:endParaRPr>
+          </a:p>
+          <a:p>
+            <a:pPr marL="457200" lvl="1" indent="0">
+              <a:buNone/>
+            </a:pPr>
+            <a:r>
+              <a:rPr lang="en-US" sz="2000" dirty="0" err="1"/>
+              <a:t>s</a:t>
+            </a:r>
+            <a:r>
+              <a:rPr lang="en-US" sz="2000" dirty="0" err="1" smtClean="0"/>
+              <a:t>heet_name</a:t>
+            </a:r>
+            <a:r>
+              <a:rPr lang="en-US" sz="2000" dirty="0" smtClean="0"/>
+              <a:t> = name or number of Excel sheet</a:t>
+            </a:r>
+          </a:p>
+          <a:p>
+            <a:pPr marL="457200" lvl="1" indent="0">
+              <a:buNone/>
+            </a:pPr>
+            <a:r>
+              <a:rPr lang="en-US" sz="2000" dirty="0" smtClean="0"/>
+              <a:t>header = row number of header row</a:t>
+            </a:r>
+          </a:p>
+          <a:p>
+            <a:pPr marL="457200" lvl="1" indent="0">
+              <a:buNone/>
+            </a:pPr>
+            <a:r>
+              <a:rPr lang="en-US" sz="2000" dirty="0" err="1" smtClean="0"/>
+              <a:t>skiprows</a:t>
+            </a:r>
+            <a:r>
+              <a:rPr lang="en-US" sz="2000" dirty="0" smtClean="0"/>
+              <a:t> = number of rows to skip at the top</a:t>
+            </a:r>
+          </a:p>
+          <a:p>
+            <a:pPr marL="457200" lvl="1" indent="0">
+              <a:buNone/>
+            </a:pPr>
+            <a:r>
+              <a:rPr lang="en-US" sz="2000" dirty="0" err="1" smtClean="0"/>
+              <a:t>index_col</a:t>
+            </a:r>
+            <a:r>
+              <a:rPr lang="en-US" sz="2000" dirty="0" smtClean="0"/>
+              <a:t> = number of column to use as a row index</a:t>
+            </a:r>
+          </a:p>
+          <a:p>
+            <a:pPr marL="457200" lvl="1" indent="0">
+              <a:buNone/>
+            </a:pPr>
+            <a:r>
+              <a:rPr lang="en-US" sz="2000" dirty="0" smtClean="0"/>
+              <a:t>names = list of manually defined column names</a:t>
+            </a:r>
+          </a:p>
+          <a:p>
+            <a:pPr marL="457200" lvl="1" indent="0">
+              <a:buNone/>
+            </a:pPr>
+            <a:r>
+              <a:rPr lang="en-US" sz="2000" dirty="0" err="1" smtClean="0"/>
+              <a:t>usecols</a:t>
+            </a:r>
+            <a:r>
+              <a:rPr lang="en-US" sz="2000" dirty="0" smtClean="0"/>
+              <a:t> = list of column numbers to use (don’t waste time reading data you don’t need)</a:t>
+            </a:r>
+          </a:p>
+          <a:p>
+            <a:pPr marL="457200" lvl="1" indent="0">
+              <a:buNone/>
+            </a:pPr>
+            <a:r>
+              <a:rPr lang="en-US" sz="2000" dirty="0" err="1" smtClean="0"/>
+              <a:t>parse_dates</a:t>
+            </a:r>
+            <a:r>
+              <a:rPr lang="en-US" sz="2000" dirty="0" smtClean="0"/>
+              <a:t> = </a:t>
+            </a:r>
+            <a:r>
+              <a:rPr lang="en-US" sz="2000" dirty="0" err="1" smtClean="0"/>
+              <a:t>True|False</a:t>
+            </a:r>
+            <a:r>
+              <a:rPr lang="en-US" sz="2000" dirty="0" smtClean="0"/>
+              <a:t> Pandas tries to parse dates into </a:t>
+            </a:r>
+            <a:r>
+              <a:rPr lang="en-US" sz="2000" dirty="0" err="1" smtClean="0"/>
+              <a:t>datetime</a:t>
+            </a:r>
+            <a:r>
+              <a:rPr lang="en-US" sz="2000" dirty="0" smtClean="0"/>
+              <a:t> objects. Very useful and well done, but slow. Can also hard code date converter.</a:t>
+            </a:r>
+          </a:p>
+          <a:p>
+            <a:pPr marL="457200" lvl="1" indent="0">
+              <a:buNone/>
+            </a:pPr>
+            <a:r>
+              <a:rPr lang="en-US" sz="2000" dirty="0" smtClean="0"/>
+              <a:t>See documentation for more….</a:t>
+            </a:r>
+          </a:p>
+          <a:p>
+            <a:pPr marL="457200" lvl="1" indent="0">
+              <a:buNone/>
+            </a:pPr>
+            <a:endParaRPr lang="en-US" sz="2000" dirty="0"/>
+          </a:p>
+          <a:p>
+            <a:pPr marL="457200" lvl="1" indent="0">
+              <a:buNone/>
+            </a:pPr>
+            <a:r>
+              <a:rPr lang="en-US" sz="2000" dirty="0" err="1" smtClean="0"/>
+              <a:t>Specialied</a:t>
+            </a:r>
+            <a:r>
+              <a:rPr lang="en-US" sz="2000" dirty="0" smtClean="0"/>
+              <a:t> functions for: csv, </a:t>
+            </a:r>
+            <a:r>
+              <a:rPr lang="en-US" sz="2000" dirty="0" err="1" smtClean="0"/>
+              <a:t>json</a:t>
+            </a:r>
+            <a:r>
+              <a:rPr lang="en-US" sz="2000" dirty="0" smtClean="0"/>
+              <a:t>, html, clipboard, excel, </a:t>
+            </a:r>
+            <a:r>
+              <a:rPr lang="en-US" sz="2000" dirty="0" err="1" smtClean="0"/>
+              <a:t>hdf</a:t>
+            </a:r>
+            <a:r>
+              <a:rPr lang="en-US" sz="2000" dirty="0" smtClean="0"/>
+              <a:t>, feather, parquet, </a:t>
+            </a:r>
+            <a:r>
+              <a:rPr lang="en-US" sz="2000" dirty="0" err="1" smtClean="0"/>
+              <a:t>msgpack</a:t>
+            </a:r>
+            <a:r>
+              <a:rPr lang="en-US" sz="2000" dirty="0" smtClean="0"/>
+              <a:t>, </a:t>
+            </a:r>
+            <a:r>
+              <a:rPr lang="en-US" sz="2000" dirty="0" err="1" smtClean="0"/>
+              <a:t>stata</a:t>
+            </a:r>
+            <a:r>
+              <a:rPr lang="en-US" sz="2000" dirty="0" smtClean="0"/>
+              <a:t>, </a:t>
+            </a:r>
+            <a:r>
+              <a:rPr lang="en-US" sz="2000" dirty="0" err="1" smtClean="0"/>
+              <a:t>sas</a:t>
+            </a:r>
+            <a:r>
+              <a:rPr lang="en-US" sz="2000" dirty="0" smtClean="0"/>
+              <a:t>, pickle, </a:t>
+            </a:r>
+            <a:r>
+              <a:rPr lang="en-US" sz="2000" dirty="0" err="1" smtClean="0"/>
+              <a:t>sql</a:t>
+            </a:r>
+            <a:r>
+              <a:rPr lang="en-US" sz="2000" dirty="0" smtClean="0"/>
+              <a:t>, </a:t>
+            </a:r>
+            <a:r>
+              <a:rPr lang="en-US" sz="2000" dirty="0" err="1" smtClean="0"/>
+              <a:t>gbq</a:t>
+            </a:r>
+            <a:r>
+              <a:rPr lang="en-US" sz="2000" dirty="0" smtClean="0"/>
+              <a:t>. </a:t>
+            </a:r>
+            <a:r>
+              <a:rPr lang="en-US" sz="2000" dirty="0" err="1" smtClean="0"/>
+              <a:t>read_table</a:t>
+            </a:r>
+            <a:r>
+              <a:rPr lang="en-US" sz="2000" dirty="0" smtClean="0"/>
+              <a:t> is most general.</a:t>
+            </a:r>
+          </a:p>
+        </p:txBody>
+      </p:sp>
+    </p:spTree>
+    <p:extLst>
+      <p:ext uri="{BB962C8B-B14F-4D97-AF65-F5344CB8AC3E}">
+        <p14:creationId xmlns:p14="http://schemas.microsoft.com/office/powerpoint/2010/main" val="3802150312"/>
+      </p:ext>
+    </p:extLst>
+  </p:cSld>
+  <p:clrMapOvr>
+    <a:masterClrMapping/>
+  </p:clrMapOvr>
+</p:sld>
+</file>
+
+<file path=ppt/slides/slide7.xml><?xml version="1.0" encoding="utf-8"?>
+<p:sld xmlns:a="http://schemas.openxmlformats.org/drawingml/2006/main" xmlns:r="http://schemas.openxmlformats.org/officeDocument/2006/relationships" xmlns:p="http://schemas.openxmlformats.org/presentationml/2006/main">
+  <p:cSld>
+    <p:spTree>
+      <p:nvGrpSpPr>
+        <p:cNvPr id="1" name=""/>
+        <p:cNvGrpSpPr/>
+        <p:nvPr/>
+      </p:nvGrpSpPr>
+      <p:grpSpPr>
+        <a:xfrm>
+          <a:off x="0" y="0"/>
+          <a:ext cx="0" cy="0"/>
+          <a:chOff x="0" y="0"/>
+          <a:chExt cx="0" cy="0"/>
+        </a:xfrm>
+      </p:grpSpPr>
+      <p:sp>
+        <p:nvSpPr>
+          <p:cNvPr id="2" name="Title 1"/>
+          <p:cNvSpPr>
+            <a:spLocks noGrp="1"/>
+          </p:cNvSpPr>
+          <p:nvPr>
+            <p:ph type="title"/>
+          </p:nvPr>
+        </p:nvSpPr>
+        <p:spPr/>
+        <p:txBody>
+          <a:bodyPr/>
+          <a:lstStyle/>
+          <a:p>
+            <a:r>
+              <a:rPr lang="en-US" dirty="0" smtClean="0"/>
+              <a:t>Sample read function</a:t>
+            </a:r>
+            <a:endParaRPr lang="en-US" dirty="0"/>
+          </a:p>
+        </p:txBody>
+      </p:sp>
+      <p:sp>
+        <p:nvSpPr>
+          <p:cNvPr id="3" name="Content Placeholder 2"/>
+          <p:cNvSpPr>
+            <a:spLocks noGrp="1"/>
+          </p:cNvSpPr>
+          <p:nvPr>
+            <p:ph idx="1"/>
+          </p:nvPr>
+        </p:nvSpPr>
+        <p:spPr>
+          <a:xfrm>
+            <a:off x="4551658" y="1690688"/>
+            <a:ext cx="10515600" cy="2128308"/>
+          </a:xfrm>
+        </p:spPr>
+        <p:txBody>
+          <a:bodyPr>
+            <a:noAutofit/>
+          </a:bodyPr>
+          <a:lstStyle/>
+          <a:p>
+            <a:pPr marL="0" indent="0">
+              <a:buNone/>
+            </a:pPr>
+            <a:r>
+              <a:rPr lang="en-US" sz="2000" dirty="0" err="1">
+                <a:latin typeface="Consolas" panose="020B0609020204030204" pitchFamily="49" charset="0"/>
+              </a:rPr>
+              <a:t>df</a:t>
+            </a:r>
+            <a:r>
+              <a:rPr lang="en-US" sz="2000" dirty="0">
+                <a:latin typeface="Consolas" panose="020B0609020204030204" pitchFamily="49" charset="0"/>
+              </a:rPr>
+              <a:t> = </a:t>
+            </a:r>
+            <a:r>
+              <a:rPr lang="en-US" sz="2000" dirty="0" err="1" smtClean="0">
+                <a:latin typeface="Consolas" panose="020B0609020204030204" pitchFamily="49" charset="0"/>
+              </a:rPr>
+              <a:t>pd.read_table</a:t>
+            </a:r>
+            <a:r>
+              <a:rPr lang="en-US" sz="2000" dirty="0" smtClean="0">
+                <a:latin typeface="Consolas" panose="020B0609020204030204" pitchFamily="49" charset="0"/>
+              </a:rPr>
+              <a:t>(</a:t>
+            </a:r>
+            <a:r>
+              <a:rPr lang="en-US" sz="2000" dirty="0" err="1" smtClean="0">
+                <a:latin typeface="Consolas" panose="020B0609020204030204" pitchFamily="49" charset="0"/>
+              </a:rPr>
+              <a:t>jsmfile</a:t>
+            </a:r>
+            <a:r>
+              <a:rPr lang="en-US" sz="2000" dirty="0" smtClean="0">
+                <a:latin typeface="Consolas" panose="020B0609020204030204" pitchFamily="49" charset="0"/>
+              </a:rPr>
+              <a:t>,</a:t>
+            </a:r>
+            <a:br>
+              <a:rPr lang="en-US" sz="2000" dirty="0" smtClean="0">
+                <a:latin typeface="Consolas" panose="020B0609020204030204" pitchFamily="49" charset="0"/>
+              </a:rPr>
+            </a:br>
+            <a:r>
+              <a:rPr lang="en-US" sz="2000" dirty="0" smtClean="0">
+                <a:latin typeface="Consolas" panose="020B0609020204030204" pitchFamily="49" charset="0"/>
+              </a:rPr>
+              <a:t>                   </a:t>
+            </a:r>
+            <a:r>
+              <a:rPr lang="en-US" sz="2000" dirty="0" err="1" smtClean="0">
+                <a:latin typeface="Consolas" panose="020B0609020204030204" pitchFamily="49" charset="0"/>
+              </a:rPr>
+              <a:t>delim_whitespace</a:t>
+            </a:r>
+            <a:r>
+              <a:rPr lang="en-US" sz="2000" dirty="0" smtClean="0">
+                <a:latin typeface="Consolas" panose="020B0609020204030204" pitchFamily="49" charset="0"/>
+              </a:rPr>
+              <a:t>=True, </a:t>
+            </a:r>
+            <a:br>
+              <a:rPr lang="en-US" sz="2000" dirty="0" smtClean="0">
+                <a:latin typeface="Consolas" panose="020B0609020204030204" pitchFamily="49" charset="0"/>
+              </a:rPr>
+            </a:br>
+            <a:r>
+              <a:rPr lang="en-US" sz="2000" dirty="0" smtClean="0">
+                <a:latin typeface="Consolas" panose="020B0609020204030204" pitchFamily="49" charset="0"/>
+              </a:rPr>
+              <a:t>                   </a:t>
+            </a:r>
+            <a:r>
+              <a:rPr lang="en-US" sz="2000" dirty="0" err="1" smtClean="0">
+                <a:latin typeface="Consolas" panose="020B0609020204030204" pitchFamily="49" charset="0"/>
+              </a:rPr>
+              <a:t>skiprows</a:t>
+            </a:r>
+            <a:r>
+              <a:rPr lang="en-US" sz="2000" dirty="0" smtClean="0">
+                <a:latin typeface="Consolas" panose="020B0609020204030204" pitchFamily="49" charset="0"/>
+              </a:rPr>
+              <a:t>=10, </a:t>
+            </a:r>
+            <a:br>
+              <a:rPr lang="en-US" sz="2000" dirty="0" smtClean="0">
+                <a:latin typeface="Consolas" panose="020B0609020204030204" pitchFamily="49" charset="0"/>
+              </a:rPr>
+            </a:br>
+            <a:r>
+              <a:rPr lang="en-US" sz="2000" dirty="0" smtClean="0">
+                <a:latin typeface="Consolas" panose="020B0609020204030204" pitchFamily="49" charset="0"/>
+              </a:rPr>
+              <a:t>                   </a:t>
+            </a:r>
+            <a:r>
+              <a:rPr lang="en-US" sz="2000" dirty="0" err="1" smtClean="0">
+                <a:latin typeface="Consolas" panose="020B0609020204030204" pitchFamily="49" charset="0"/>
+              </a:rPr>
+              <a:t>usecols</a:t>
+            </a:r>
+            <a:r>
+              <a:rPr lang="en-US" sz="2000" dirty="0">
+                <a:latin typeface="Consolas" panose="020B0609020204030204" pitchFamily="49" charset="0"/>
+              </a:rPr>
+              <a:t>=[0,1,15</a:t>
+            </a:r>
+            <a:r>
+              <a:rPr lang="en-US" sz="2000" dirty="0" smtClean="0">
+                <a:latin typeface="Consolas" panose="020B0609020204030204" pitchFamily="49" charset="0"/>
+              </a:rPr>
+              <a:t>], </a:t>
+            </a:r>
+            <a:br>
+              <a:rPr lang="en-US" sz="2000" dirty="0" smtClean="0">
+                <a:latin typeface="Consolas" panose="020B0609020204030204" pitchFamily="49" charset="0"/>
+              </a:rPr>
+            </a:br>
+            <a:r>
+              <a:rPr lang="en-US" sz="2000" dirty="0" smtClean="0">
+                <a:latin typeface="Consolas" panose="020B0609020204030204" pitchFamily="49" charset="0"/>
+              </a:rPr>
+              <a:t>                   </a:t>
+            </a:r>
+            <a:r>
+              <a:rPr lang="en-US" sz="2000" dirty="0" err="1" smtClean="0">
+                <a:latin typeface="Consolas" panose="020B0609020204030204" pitchFamily="49" charset="0"/>
+              </a:rPr>
+              <a:t>skip_blank_lines</a:t>
+            </a:r>
+            <a:r>
+              <a:rPr lang="en-US" sz="2000" dirty="0" smtClean="0">
+                <a:latin typeface="Consolas" panose="020B0609020204030204" pitchFamily="49" charset="0"/>
+              </a:rPr>
+              <a:t>=False, </a:t>
+            </a:r>
+            <a:br>
+              <a:rPr lang="en-US" sz="2000" dirty="0" smtClean="0">
+                <a:latin typeface="Consolas" panose="020B0609020204030204" pitchFamily="49" charset="0"/>
+              </a:rPr>
+            </a:br>
+            <a:r>
+              <a:rPr lang="en-US" sz="2000" dirty="0" smtClean="0">
+                <a:latin typeface="Consolas" panose="020B0609020204030204" pitchFamily="49" charset="0"/>
+              </a:rPr>
+              <a:t>                   header=None, </a:t>
+            </a:r>
+            <a:br>
+              <a:rPr lang="en-US" sz="2000" dirty="0" smtClean="0">
+                <a:latin typeface="Consolas" panose="020B0609020204030204" pitchFamily="49" charset="0"/>
+              </a:rPr>
+            </a:br>
+            <a:r>
+              <a:rPr lang="en-US" sz="2000" dirty="0" smtClean="0">
+                <a:latin typeface="Consolas" panose="020B0609020204030204" pitchFamily="49" charset="0"/>
+              </a:rPr>
+              <a:t>                   names</a:t>
+            </a:r>
+            <a:r>
+              <a:rPr lang="en-US" sz="2000" dirty="0">
+                <a:latin typeface="Consolas" panose="020B0609020204030204" pitchFamily="49" charset="0"/>
+              </a:rPr>
+              <a:t>=["days", "node", "</a:t>
+            </a:r>
+            <a:r>
+              <a:rPr lang="en-US" sz="2000" dirty="0" err="1">
+                <a:latin typeface="Consolas" panose="020B0609020204030204" pitchFamily="49" charset="0"/>
+              </a:rPr>
+              <a:t>RawEC</a:t>
+            </a:r>
+            <a:r>
+              <a:rPr lang="en-US" sz="2000" dirty="0">
+                <a:latin typeface="Consolas" panose="020B0609020204030204" pitchFamily="49" charset="0"/>
+              </a:rPr>
+              <a:t>"])</a:t>
+            </a:r>
+          </a:p>
+          <a:p>
+            <a:pPr marL="0" indent="0">
+              <a:buNone/>
+            </a:pPr>
+            <a:endParaRPr lang="en-US" dirty="0"/>
+          </a:p>
+        </p:txBody>
+      </p:sp>
+      <p:pic>
+        <p:nvPicPr>
+          <p:cNvPr id="4" name="Picture 3"/>
+          <p:cNvPicPr>
+            <a:picLocks noChangeAspect="1"/>
+          </p:cNvPicPr>
+          <p:nvPr/>
+        </p:nvPicPr>
+        <p:blipFill>
+          <a:blip r:embed="rId2"/>
+          <a:stretch>
+            <a:fillRect/>
+          </a:stretch>
+        </p:blipFill>
+        <p:spPr>
+          <a:xfrm>
+            <a:off x="402772" y="3225105"/>
+            <a:ext cx="6434137" cy="2974432"/>
+          </a:xfrm>
+          <a:prstGeom prst="rect">
+            <a:avLst/>
+          </a:prstGeom>
+        </p:spPr>
+      </p:pic>
+      <p:sp>
+        <p:nvSpPr>
+          <p:cNvPr id="5" name="Rectangle 4"/>
+          <p:cNvSpPr/>
+          <p:nvPr/>
+        </p:nvSpPr>
+        <p:spPr>
+          <a:xfrm>
+            <a:off x="696686" y="4389120"/>
+            <a:ext cx="226423" cy="1907177"/>
+          </a:xfrm>
+          <a:prstGeom prst="rect">
+            <a:avLst/>
+          </a:prstGeom>
+          <a:noFill/>
+          <a:ln w="19050"/>
+        </p:spPr>
+        <p:style>
+          <a:lnRef idx="2">
+            <a:schemeClr val="accent2"/>
+          </a:lnRef>
+          <a:fillRef idx="1">
+            <a:schemeClr val="lt1"/>
+          </a:fillRef>
+          <a:effectRef idx="0">
+            <a:schemeClr val="accent2"/>
+          </a:effectRef>
+          <a:fontRef idx="minor">
+            <a:schemeClr val="dk1"/>
+          </a:fontRef>
+        </p:style>
+        <p:txBody>
+          <a:bodyPr rtlCol="0" anchor="ctr"/>
+          <a:lstStyle/>
+          <a:p>
+            <a:pPr algn="ctr"/>
+            <a:endParaRPr lang="en-US"/>
+          </a:p>
+        </p:txBody>
+      </p:sp>
+      <p:sp>
+        <p:nvSpPr>
+          <p:cNvPr id="6" name="Rectangle 5"/>
+          <p:cNvSpPr/>
+          <p:nvPr/>
+        </p:nvSpPr>
+        <p:spPr>
+          <a:xfrm>
+            <a:off x="923109" y="4384766"/>
+            <a:ext cx="226423" cy="1907177"/>
+          </a:xfrm>
+          <a:prstGeom prst="rect">
+            <a:avLst/>
+          </a:prstGeom>
+          <a:noFill/>
+          <a:ln w="19050"/>
+        </p:spPr>
+        <p:style>
+          <a:lnRef idx="2">
+            <a:schemeClr val="accent2"/>
+          </a:lnRef>
+          <a:fillRef idx="1">
+            <a:schemeClr val="lt1"/>
+          </a:fillRef>
+          <a:effectRef idx="0">
+            <a:schemeClr val="accent2"/>
+          </a:effectRef>
+          <a:fontRef idx="minor">
+            <a:schemeClr val="dk1"/>
+          </a:fontRef>
+        </p:style>
+        <p:txBody>
+          <a:bodyPr rtlCol="0" anchor="ctr"/>
+          <a:lstStyle/>
+          <a:p>
+            <a:pPr algn="ctr"/>
+            <a:endParaRPr lang="en-US"/>
+          </a:p>
+        </p:txBody>
+      </p:sp>
+      <p:sp>
+        <p:nvSpPr>
+          <p:cNvPr id="7" name="Rectangle 6"/>
+          <p:cNvSpPr/>
+          <p:nvPr/>
+        </p:nvSpPr>
+        <p:spPr>
+          <a:xfrm>
+            <a:off x="5164183" y="4340740"/>
+            <a:ext cx="287383" cy="1907177"/>
+          </a:xfrm>
+          <a:prstGeom prst="rect">
+            <a:avLst/>
+          </a:prstGeom>
+          <a:noFill/>
+          <a:ln w="19050"/>
+        </p:spPr>
+        <p:style>
+          <a:lnRef idx="2">
+            <a:schemeClr val="accent2"/>
+          </a:lnRef>
+          <a:fillRef idx="1">
+            <a:schemeClr val="lt1"/>
+          </a:fillRef>
+          <a:effectRef idx="0">
+            <a:schemeClr val="accent2"/>
+          </a:effectRef>
+          <a:fontRef idx="minor">
+            <a:schemeClr val="dk1"/>
+          </a:fontRef>
+        </p:style>
+        <p:txBody>
+          <a:bodyPr rtlCol="0" anchor="ctr"/>
+          <a:lstStyle/>
+          <a:p>
+            <a:pPr algn="ctr"/>
+            <a:endParaRPr lang="en-US"/>
+          </a:p>
+        </p:txBody>
+      </p:sp>
+      <p:sp>
+        <p:nvSpPr>
+          <p:cNvPr id="8" name="Rectangle 7"/>
+          <p:cNvSpPr/>
+          <p:nvPr/>
+        </p:nvSpPr>
+        <p:spPr>
+          <a:xfrm>
+            <a:off x="302636" y="2844574"/>
+            <a:ext cx="1197764" cy="369332"/>
+          </a:xfrm>
+          <a:prstGeom prst="rect">
+            <a:avLst/>
+          </a:prstGeom>
+        </p:spPr>
+        <p:txBody>
+          <a:bodyPr wrap="none">
+            <a:spAutoFit/>
+          </a:bodyPr>
+          <a:lstStyle/>
+          <a:p>
+            <a:r>
+              <a:rPr lang="en-US" dirty="0" err="1" smtClean="0">
+                <a:latin typeface="Consolas" panose="020B0609020204030204" pitchFamily="49" charset="0"/>
+              </a:rPr>
+              <a:t>jsmfile</a:t>
+            </a:r>
+            <a:r>
+              <a:rPr lang="en-US" dirty="0" smtClean="0">
+                <a:latin typeface="Consolas" panose="020B0609020204030204" pitchFamily="49" charset="0"/>
+              </a:rPr>
+              <a:t>:</a:t>
+            </a:r>
+            <a:endParaRPr lang="en-US" dirty="0"/>
+          </a:p>
+        </p:txBody>
+      </p:sp>
+    </p:spTree>
+    <p:extLst>
+      <p:ext uri="{BB962C8B-B14F-4D97-AF65-F5344CB8AC3E}">
+        <p14:creationId xmlns:p14="http://schemas.microsoft.com/office/powerpoint/2010/main" val="3122488387"/>
+      </p:ext>
+    </p:extLst>
+  </p:cSld>
+  <p:clrMapOvr>
+    <a:masterClrMapping/>
+  </p:clrMapOvr>
+</p:sld>
+</file>
+
+<file path=ppt/slides/slide8.xml><?xml version="1.0" encoding="utf-8"?>
 <p:sld xmlns:a="http://schemas.openxmlformats.org/drawingml/2006/main" xmlns:r="http://schemas.openxmlformats.org/officeDocument/2006/relationships" xmlns:p="http://schemas.openxmlformats.org/presentationml/2006/main">
   <p:cSld>
     <p:spTree>
@@ -6325,6 +8103,87 @@
 </p:sld>
 </file>
 
+<file path=ppt/slides/slide9.xml><?xml version="1.0" encoding="utf-8"?>
+<p:sld xmlns:a="http://schemas.openxmlformats.org/drawingml/2006/main" xmlns:r="http://schemas.openxmlformats.org/officeDocument/2006/relationships" xmlns:p="http://schemas.openxmlformats.org/presentationml/2006/main">
+  <p:cSld>
+    <p:spTree>
+      <p:nvGrpSpPr>
+        <p:cNvPr id="1" name=""/>
+        <p:cNvGrpSpPr/>
+        <p:nvPr/>
+      </p:nvGrpSpPr>
+      <p:grpSpPr>
+        <a:xfrm>
+          <a:off x="0" y="0"/>
+          <a:ext cx="0" cy="0"/>
+          <a:chOff x="0" y="0"/>
+          <a:chExt cx="0" cy="0"/>
+        </a:xfrm>
+      </p:grpSpPr>
+      <p:sp>
+        <p:nvSpPr>
+          <p:cNvPr id="2" name="Title 1"/>
+          <p:cNvSpPr>
+            <a:spLocks noGrp="1"/>
+          </p:cNvSpPr>
+          <p:nvPr>
+            <p:ph type="title"/>
+          </p:nvPr>
+        </p:nvSpPr>
+        <p:spPr/>
+        <p:txBody>
+          <a:bodyPr/>
+          <a:lstStyle/>
+          <a:p>
+            <a:r>
+              <a:rPr lang="en-US" dirty="0" smtClean="0"/>
+              <a:t>Useful pandas functions</a:t>
+            </a:r>
+            <a:endParaRPr lang="en-US" dirty="0"/>
+          </a:p>
+        </p:txBody>
+      </p:sp>
+      <p:sp>
+        <p:nvSpPr>
+          <p:cNvPr id="3" name="Content Placeholder 2"/>
+          <p:cNvSpPr>
+            <a:spLocks noGrp="1"/>
+          </p:cNvSpPr>
+          <p:nvPr>
+            <p:ph idx="1"/>
+          </p:nvPr>
+        </p:nvSpPr>
+        <p:spPr/>
+        <p:txBody>
+          <a:bodyPr/>
+          <a:lstStyle/>
+          <a:p>
+            <a:r>
+              <a:rPr lang="en-US" dirty="0" smtClean="0"/>
+              <a:t>See Cheat Sheet in folder</a:t>
+            </a:r>
+          </a:p>
+          <a:p>
+            <a:pPr marL="0" indent="0">
+              <a:buNone/>
+            </a:pPr>
+            <a:endParaRPr lang="en-US" dirty="0"/>
+          </a:p>
+        </p:txBody>
+      </p:sp>
+    </p:spTree>
+    <p:extLst>
+      <p:ext uri="{BB962C8B-B14F-4D97-AF65-F5344CB8AC3E}">
+        <p14:creationId xmlns:p14="http://schemas.microsoft.com/office/powerpoint/2010/main" val="4047404455"/>
+      </p:ext>
+    </p:extLst>
+  </p:cSld>
+  <p:clrMapOvr>
+    <a:masterClrMapping/>
+  </p:clrMapOvr>
+</p:sld>
+</file>
+
 <file path=ppt/theme/theme1.xml><?xml version="1.0" encoding="utf-8"?>
 <a:theme xmlns:a="http://schemas.openxmlformats.org/drawingml/2006/main" name="Office Theme">
   <a:themeElements>

--- a/Day2/UsingPandas/Introduction to Pandas.pptx
+++ b/Day2/UsingPandas/Introduction to Pandas.pptx
@@ -16,6 +16,10 @@
     <p:sldId id="262" r:id="rId10"/>
     <p:sldId id="263" r:id="rId11"/>
     <p:sldId id="264" r:id="rId12"/>
+    <p:sldId id="267" r:id="rId13"/>
+    <p:sldId id="268" r:id="rId14"/>
+    <p:sldId id="269" r:id="rId15"/>
+    <p:sldId id="270" r:id="rId16"/>
   </p:sldIdLst>
   <p:sldSz cx="12192000" cy="6858000"/>
   <p:notesSz cx="6858000" cy="9144000"/>
@@ -253,7 +257,7 @@
           <a:p>
             <a:fld id="{C88B076F-C051-4C86-84B8-A2A3E7AA8D45}" type="datetimeFigureOut">
               <a:rPr lang="en-US" smtClean="0"/>
-              <a:t>4/10/2018</a:t>
+              <a:t>4/22/2018</a:t>
             </a:fld>
             <a:endParaRPr lang="en-US"/>
           </a:p>
@@ -423,7 +427,7 @@
           <a:p>
             <a:fld id="{C88B076F-C051-4C86-84B8-A2A3E7AA8D45}" type="datetimeFigureOut">
               <a:rPr lang="en-US" smtClean="0"/>
-              <a:t>4/10/2018</a:t>
+              <a:t>4/22/2018</a:t>
             </a:fld>
             <a:endParaRPr lang="en-US"/>
           </a:p>
@@ -603,7 +607,7 @@
           <a:p>
             <a:fld id="{C88B076F-C051-4C86-84B8-A2A3E7AA8D45}" type="datetimeFigureOut">
               <a:rPr lang="en-US" smtClean="0"/>
-              <a:t>4/10/2018</a:t>
+              <a:t>4/22/2018</a:t>
             </a:fld>
             <a:endParaRPr lang="en-US"/>
           </a:p>
@@ -773,7 +777,7 @@
           <a:p>
             <a:fld id="{C88B076F-C051-4C86-84B8-A2A3E7AA8D45}" type="datetimeFigureOut">
               <a:rPr lang="en-US" smtClean="0"/>
-              <a:t>4/10/2018</a:t>
+              <a:t>4/22/2018</a:t>
             </a:fld>
             <a:endParaRPr lang="en-US"/>
           </a:p>
@@ -1019,7 +1023,7 @@
           <a:p>
             <a:fld id="{C88B076F-C051-4C86-84B8-A2A3E7AA8D45}" type="datetimeFigureOut">
               <a:rPr lang="en-US" smtClean="0"/>
-              <a:t>4/10/2018</a:t>
+              <a:t>4/22/2018</a:t>
             </a:fld>
             <a:endParaRPr lang="en-US"/>
           </a:p>
@@ -1251,7 +1255,7 @@
           <a:p>
             <a:fld id="{C88B076F-C051-4C86-84B8-A2A3E7AA8D45}" type="datetimeFigureOut">
               <a:rPr lang="en-US" smtClean="0"/>
-              <a:t>4/10/2018</a:t>
+              <a:t>4/22/2018</a:t>
             </a:fld>
             <a:endParaRPr lang="en-US"/>
           </a:p>
@@ -1618,7 +1622,7 @@
           <a:p>
             <a:fld id="{C88B076F-C051-4C86-84B8-A2A3E7AA8D45}" type="datetimeFigureOut">
               <a:rPr lang="en-US" smtClean="0"/>
-              <a:t>4/10/2018</a:t>
+              <a:t>4/22/2018</a:t>
             </a:fld>
             <a:endParaRPr lang="en-US"/>
           </a:p>
@@ -1736,7 +1740,7 @@
           <a:p>
             <a:fld id="{C88B076F-C051-4C86-84B8-A2A3E7AA8D45}" type="datetimeFigureOut">
               <a:rPr lang="en-US" smtClean="0"/>
-              <a:t>4/10/2018</a:t>
+              <a:t>4/22/2018</a:t>
             </a:fld>
             <a:endParaRPr lang="en-US"/>
           </a:p>
@@ -1831,7 +1835,7 @@
           <a:p>
             <a:fld id="{C88B076F-C051-4C86-84B8-A2A3E7AA8D45}" type="datetimeFigureOut">
               <a:rPr lang="en-US" smtClean="0"/>
-              <a:t>4/10/2018</a:t>
+              <a:t>4/22/2018</a:t>
             </a:fld>
             <a:endParaRPr lang="en-US"/>
           </a:p>
@@ -2108,7 +2112,7 @@
           <a:p>
             <a:fld id="{C88B076F-C051-4C86-84B8-A2A3E7AA8D45}" type="datetimeFigureOut">
               <a:rPr lang="en-US" smtClean="0"/>
-              <a:t>4/10/2018</a:t>
+              <a:t>4/22/2018</a:t>
             </a:fld>
             <a:endParaRPr lang="en-US"/>
           </a:p>
@@ -2361,7 +2365,7 @@
           <a:p>
             <a:fld id="{C88B076F-C051-4C86-84B8-A2A3E7AA8D45}" type="datetimeFigureOut">
               <a:rPr lang="en-US" smtClean="0"/>
-              <a:t>4/10/2018</a:t>
+              <a:t>4/22/2018</a:t>
             </a:fld>
             <a:endParaRPr lang="en-US"/>
           </a:p>
@@ -2574,7 +2578,7 @@
           <a:p>
             <a:fld id="{C88B076F-C051-4C86-84B8-A2A3E7AA8D45}" type="datetimeFigureOut">
               <a:rPr lang="en-US" smtClean="0"/>
-              <a:t>4/10/2018</a:t>
+              <a:t>4/22/2018</a:t>
             </a:fld>
             <a:endParaRPr lang="en-US"/>
           </a:p>
@@ -3905,6 +3909,665 @@
 </p:sld>
 </file>
 
+<file path=ppt/slides/slide12.xml><?xml version="1.0" encoding="utf-8"?>
+<p:sld xmlns:a="http://schemas.openxmlformats.org/drawingml/2006/main" xmlns:r="http://schemas.openxmlformats.org/officeDocument/2006/relationships" xmlns:p="http://schemas.openxmlformats.org/presentationml/2006/main">
+  <p:cSld>
+    <p:spTree>
+      <p:nvGrpSpPr>
+        <p:cNvPr id="1" name=""/>
+        <p:cNvGrpSpPr/>
+        <p:nvPr/>
+      </p:nvGrpSpPr>
+      <p:grpSpPr>
+        <a:xfrm>
+          <a:off x="0" y="0"/>
+          <a:ext cx="0" cy="0"/>
+          <a:chOff x="0" y="0"/>
+          <a:chExt cx="0" cy="0"/>
+        </a:xfrm>
+      </p:grpSpPr>
+      <p:sp>
+        <p:nvSpPr>
+          <p:cNvPr id="2" name="Title 1"/>
+          <p:cNvSpPr>
+            <a:spLocks noGrp="1"/>
+          </p:cNvSpPr>
+          <p:nvPr>
+            <p:ph type="title"/>
+          </p:nvPr>
+        </p:nvSpPr>
+        <p:spPr>
+          <a:xfrm>
+            <a:off x="705387" y="912855"/>
+            <a:ext cx="6592227" cy="634911"/>
+          </a:xfrm>
+        </p:spPr>
+        <p:txBody>
+          <a:bodyPr>
+            <a:normAutofit fontScale="90000"/>
+          </a:bodyPr>
+          <a:lstStyle/>
+          <a:p>
+            <a:r>
+              <a:rPr lang="en-US" dirty="0" smtClean="0"/>
+              <a:t>Intro to </a:t>
+            </a:r>
+            <a:r>
+              <a:rPr lang="en-US" dirty="0" err="1" smtClean="0"/>
+              <a:t>Matplotlib</a:t>
+            </a:r>
+            <a:endParaRPr lang="en-US" dirty="0"/>
+          </a:p>
+        </p:txBody>
+      </p:sp>
+      <p:sp>
+        <p:nvSpPr>
+          <p:cNvPr id="3" name="Content Placeholder 2"/>
+          <p:cNvSpPr>
+            <a:spLocks noGrp="1"/>
+          </p:cNvSpPr>
+          <p:nvPr>
+            <p:ph idx="1"/>
+          </p:nvPr>
+        </p:nvSpPr>
+        <p:spPr>
+          <a:xfrm>
+            <a:off x="838200" y="1699900"/>
+            <a:ext cx="10515600" cy="4351338"/>
+          </a:xfrm>
+        </p:spPr>
+        <p:txBody>
+          <a:bodyPr/>
+          <a:lstStyle/>
+          <a:p>
+            <a:r>
+              <a:rPr lang="en-US" dirty="0" smtClean="0"/>
+              <a:t>If you’ve plotted in MATLAB, this will be familiar</a:t>
+            </a:r>
+          </a:p>
+          <a:p>
+            <a:r>
+              <a:rPr lang="en-US" dirty="0" err="1" smtClean="0"/>
+              <a:t>Matplotlib</a:t>
+            </a:r>
+            <a:r>
+              <a:rPr lang="en-US" dirty="0" smtClean="0"/>
+              <a:t> is incorporated in </a:t>
+            </a:r>
+            <a:r>
+              <a:rPr lang="en-US" dirty="0" err="1" smtClean="0"/>
+              <a:t>jupyter</a:t>
+            </a:r>
+            <a:r>
+              <a:rPr lang="en-US" dirty="0" smtClean="0"/>
+              <a:t> notebooks</a:t>
+            </a:r>
+          </a:p>
+          <a:p>
+            <a:r>
+              <a:rPr lang="en-US" dirty="0" smtClean="0"/>
+              <a:t>Export to high quality .</a:t>
+            </a:r>
+            <a:r>
+              <a:rPr lang="en-US" dirty="0" err="1" smtClean="0"/>
+              <a:t>png</a:t>
+            </a:r>
+            <a:r>
+              <a:rPr lang="en-US" dirty="0" smtClean="0"/>
+              <a:t> or interactive window</a:t>
+            </a:r>
+            <a:endParaRPr lang="en-US" dirty="0"/>
+          </a:p>
+        </p:txBody>
+      </p:sp>
+      <p:pic>
+        <p:nvPicPr>
+          <p:cNvPr id="1026" name="Picture 2" descr="../../_images/line_demo_dash_control.png"/>
+          <p:cNvPicPr>
+            <a:picLocks noChangeAspect="1" noChangeArrowheads="1"/>
+          </p:cNvPicPr>
+          <p:nvPr/>
+        </p:nvPicPr>
+        <p:blipFill>
+          <a:blip r:embed="rId2">
+            <a:extLst>
+              <a:ext uri="{28A0092B-C50C-407E-A947-70E740481C1C}">
+                <a14:useLocalDpi xmlns:a14="http://schemas.microsoft.com/office/drawing/2010/main" val="0"/>
+              </a:ext>
+            </a:extLst>
+          </a:blip>
+          <a:srcRect/>
+          <a:stretch>
+            <a:fillRect/>
+          </a:stretch>
+        </p:blipFill>
+        <p:spPr bwMode="auto">
+          <a:xfrm>
+            <a:off x="550983" y="3160557"/>
+            <a:ext cx="3571388" cy="2922045"/>
+          </a:xfrm>
+          <a:prstGeom prst="rect">
+            <a:avLst/>
+          </a:prstGeom>
+          <a:noFill/>
+          <a:extLst>
+            <a:ext uri="{909E8E84-426E-40DD-AFC4-6F175D3DCCD1}">
+              <a14:hiddenFill xmlns:a14="http://schemas.microsoft.com/office/drawing/2010/main">
+                <a:solidFill>
+                  <a:srgbClr val="FFFFFF"/>
+                </a:solidFill>
+              </a14:hiddenFill>
+            </a:ext>
+          </a:extLst>
+        </p:spPr>
+      </p:pic>
+      <p:pic>
+        <p:nvPicPr>
+          <p:cNvPr id="1028" name="Picture 4" descr="boxplot_demo"/>
+          <p:cNvPicPr>
+            <a:picLocks noChangeAspect="1" noChangeArrowheads="1"/>
+          </p:cNvPicPr>
+          <p:nvPr/>
+        </p:nvPicPr>
+        <p:blipFill>
+          <a:blip r:embed="rId3">
+            <a:extLst>
+              <a:ext uri="{28A0092B-C50C-407E-A947-70E740481C1C}">
+                <a14:useLocalDpi xmlns:a14="http://schemas.microsoft.com/office/drawing/2010/main" val="0"/>
+              </a:ext>
+            </a:extLst>
+          </a:blip>
+          <a:srcRect/>
+          <a:stretch>
+            <a:fillRect/>
+          </a:stretch>
+        </p:blipFill>
+        <p:spPr bwMode="auto">
+          <a:xfrm>
+            <a:off x="4249343" y="3196308"/>
+            <a:ext cx="3048271" cy="3048273"/>
+          </a:xfrm>
+          <a:prstGeom prst="rect">
+            <a:avLst/>
+          </a:prstGeom>
+          <a:noFill/>
+          <a:extLst>
+            <a:ext uri="{909E8E84-426E-40DD-AFC4-6F175D3DCCD1}">
+              <a14:hiddenFill xmlns:a14="http://schemas.microsoft.com/office/drawing/2010/main">
+                <a:solidFill>
+                  <a:srgbClr val="FFFFFF"/>
+                </a:solidFill>
+              </a14:hiddenFill>
+            </a:ext>
+          </a:extLst>
+        </p:spPr>
+      </p:pic>
+      <p:pic>
+        <p:nvPicPr>
+          <p:cNvPr id="1030" name="Picture 6" descr="streamplot_demo_features"/>
+          <p:cNvPicPr>
+            <a:picLocks noChangeAspect="1" noChangeArrowheads="1"/>
+          </p:cNvPicPr>
+          <p:nvPr/>
+        </p:nvPicPr>
+        <p:blipFill>
+          <a:blip r:embed="rId4">
+            <a:extLst>
+              <a:ext uri="{28A0092B-C50C-407E-A947-70E740481C1C}">
+                <a14:useLocalDpi xmlns:a14="http://schemas.microsoft.com/office/drawing/2010/main" val="0"/>
+              </a:ext>
+            </a:extLst>
+          </a:blip>
+          <a:srcRect/>
+          <a:stretch>
+            <a:fillRect/>
+          </a:stretch>
+        </p:blipFill>
+        <p:spPr bwMode="auto">
+          <a:xfrm>
+            <a:off x="8326559" y="683722"/>
+            <a:ext cx="3027241" cy="2476835"/>
+          </a:xfrm>
+          <a:prstGeom prst="rect">
+            <a:avLst/>
+          </a:prstGeom>
+          <a:noFill/>
+          <a:extLst>
+            <a:ext uri="{909E8E84-426E-40DD-AFC4-6F175D3DCCD1}">
+              <a14:hiddenFill xmlns:a14="http://schemas.microsoft.com/office/drawing/2010/main">
+                <a:solidFill>
+                  <a:srgbClr val="FFFFFF"/>
+                </a:solidFill>
+              </a14:hiddenFill>
+            </a:ext>
+          </a:extLst>
+        </p:spPr>
+      </p:pic>
+      <p:pic>
+        <p:nvPicPr>
+          <p:cNvPr id="1034" name="Picture 10" descr="bachelors_degrees_by_gender"/>
+          <p:cNvPicPr>
+            <a:picLocks noChangeAspect="1" noChangeArrowheads="1"/>
+          </p:cNvPicPr>
+          <p:nvPr/>
+        </p:nvPicPr>
+        <p:blipFill>
+          <a:blip r:embed="rId5">
+            <a:extLst>
+              <a:ext uri="{28A0092B-C50C-407E-A947-70E740481C1C}">
+                <a14:useLocalDpi xmlns:a14="http://schemas.microsoft.com/office/drawing/2010/main" val="0"/>
+              </a:ext>
+            </a:extLst>
+          </a:blip>
+          <a:srcRect/>
+          <a:stretch>
+            <a:fillRect/>
+          </a:stretch>
+        </p:blipFill>
+        <p:spPr bwMode="auto">
+          <a:xfrm>
+            <a:off x="8232775" y="3282225"/>
+            <a:ext cx="2458671" cy="2876440"/>
+          </a:xfrm>
+          <a:prstGeom prst="rect">
+            <a:avLst/>
+          </a:prstGeom>
+          <a:noFill/>
+          <a:extLst>
+            <a:ext uri="{909E8E84-426E-40DD-AFC4-6F175D3DCCD1}">
+              <a14:hiddenFill xmlns:a14="http://schemas.microsoft.com/office/drawing/2010/main">
+                <a:solidFill>
+                  <a:srgbClr val="FFFFFF"/>
+                </a:solidFill>
+              </a14:hiddenFill>
+            </a:ext>
+          </a:extLst>
+        </p:spPr>
+      </p:pic>
+    </p:spTree>
+    <p:extLst>
+      <p:ext uri="{BB962C8B-B14F-4D97-AF65-F5344CB8AC3E}">
+        <p14:creationId xmlns:p14="http://schemas.microsoft.com/office/powerpoint/2010/main" val="2025401625"/>
+      </p:ext>
+    </p:extLst>
+  </p:cSld>
+  <p:clrMapOvr>
+    <a:masterClrMapping/>
+  </p:clrMapOvr>
+</p:sld>
+</file>
+
+<file path=ppt/slides/slide13.xml><?xml version="1.0" encoding="utf-8"?>
+<p:sld xmlns:a="http://schemas.openxmlformats.org/drawingml/2006/main" xmlns:r="http://schemas.openxmlformats.org/officeDocument/2006/relationships" xmlns:p="http://schemas.openxmlformats.org/presentationml/2006/main">
+  <p:cSld>
+    <p:spTree>
+      <p:nvGrpSpPr>
+        <p:cNvPr id="1" name=""/>
+        <p:cNvGrpSpPr/>
+        <p:nvPr/>
+      </p:nvGrpSpPr>
+      <p:grpSpPr>
+        <a:xfrm>
+          <a:off x="0" y="0"/>
+          <a:ext cx="0" cy="0"/>
+          <a:chOff x="0" y="0"/>
+          <a:chExt cx="0" cy="0"/>
+        </a:xfrm>
+      </p:grpSpPr>
+      <p:sp>
+        <p:nvSpPr>
+          <p:cNvPr id="2" name="Title 1"/>
+          <p:cNvSpPr>
+            <a:spLocks noGrp="1"/>
+          </p:cNvSpPr>
+          <p:nvPr>
+            <p:ph type="title"/>
+          </p:nvPr>
+        </p:nvSpPr>
+        <p:spPr/>
+        <p:txBody>
+          <a:bodyPr/>
+          <a:lstStyle/>
+          <a:p>
+            <a:r>
+              <a:rPr lang="en-US" dirty="0" smtClean="0"/>
+              <a:t>Intro to </a:t>
+            </a:r>
+            <a:r>
+              <a:rPr lang="en-US" dirty="0" err="1" smtClean="0"/>
+              <a:t>Matplotlib</a:t>
+            </a:r>
+            <a:endParaRPr lang="en-US" dirty="0"/>
+          </a:p>
+        </p:txBody>
+      </p:sp>
+      <p:sp>
+        <p:nvSpPr>
+          <p:cNvPr id="3" name="Content Placeholder 2"/>
+          <p:cNvSpPr>
+            <a:spLocks noGrp="1"/>
+          </p:cNvSpPr>
+          <p:nvPr>
+            <p:ph idx="1"/>
+          </p:nvPr>
+        </p:nvSpPr>
+        <p:spPr/>
+        <p:txBody>
+          <a:bodyPr/>
+          <a:lstStyle/>
+          <a:p>
+            <a:r>
+              <a:rPr lang="en-US" dirty="0" smtClean="0"/>
+              <a:t>Go to </a:t>
+            </a:r>
+            <a:r>
+              <a:rPr lang="en-US" dirty="0" smtClean="0">
+                <a:hlinkClick r:id="rId2"/>
+              </a:rPr>
+              <a:t>https://matplotlib.org/gallery.html</a:t>
+            </a:r>
+            <a:r>
+              <a:rPr lang="en-US" dirty="0" smtClean="0"/>
+              <a:t> for great starting points.</a:t>
+            </a:r>
+          </a:p>
+          <a:p>
+            <a:r>
+              <a:rPr lang="en-US" dirty="0" smtClean="0"/>
+              <a:t>Find a plot that is similar to what you want to do and make modifications</a:t>
+            </a:r>
+            <a:endParaRPr lang="en-US" dirty="0"/>
+          </a:p>
+        </p:txBody>
+      </p:sp>
+      <p:pic>
+        <p:nvPicPr>
+          <p:cNvPr id="2050" name="Picture 2" descr="scatter_hist"/>
+          <p:cNvPicPr>
+            <a:picLocks noChangeAspect="1" noChangeArrowheads="1"/>
+          </p:cNvPicPr>
+          <p:nvPr/>
+        </p:nvPicPr>
+        <p:blipFill>
+          <a:blip r:embed="rId3">
+            <a:extLst>
+              <a:ext uri="{28A0092B-C50C-407E-A947-70E740481C1C}">
+                <a14:useLocalDpi xmlns:a14="http://schemas.microsoft.com/office/drawing/2010/main" val="0"/>
+              </a:ext>
+            </a:extLst>
+          </a:blip>
+          <a:srcRect/>
+          <a:stretch>
+            <a:fillRect/>
+          </a:stretch>
+        </p:blipFill>
+        <p:spPr bwMode="auto">
+          <a:xfrm>
+            <a:off x="838200" y="3215481"/>
+            <a:ext cx="2327031" cy="2327032"/>
+          </a:xfrm>
+          <a:prstGeom prst="rect">
+            <a:avLst/>
+          </a:prstGeom>
+          <a:noFill/>
+          <a:extLst>
+            <a:ext uri="{909E8E84-426E-40DD-AFC4-6F175D3DCCD1}">
+              <a14:hiddenFill xmlns:a14="http://schemas.microsoft.com/office/drawing/2010/main">
+                <a:solidFill>
+                  <a:srgbClr val="FFFFFF"/>
+                </a:solidFill>
+              </a14:hiddenFill>
+            </a:ext>
+          </a:extLst>
+        </p:spPr>
+      </p:pic>
+      <p:pic>
+        <p:nvPicPr>
+          <p:cNvPr id="2052" name="Picture 4" descr="surface3d_demo"/>
+          <p:cNvPicPr>
+            <a:picLocks noChangeAspect="1" noChangeArrowheads="1"/>
+          </p:cNvPicPr>
+          <p:nvPr/>
+        </p:nvPicPr>
+        <p:blipFill>
+          <a:blip r:embed="rId4">
+            <a:extLst>
+              <a:ext uri="{28A0092B-C50C-407E-A947-70E740481C1C}">
+                <a14:useLocalDpi xmlns:a14="http://schemas.microsoft.com/office/drawing/2010/main" val="0"/>
+              </a:ext>
+            </a:extLst>
+          </a:blip>
+          <a:srcRect/>
+          <a:stretch>
+            <a:fillRect/>
+          </a:stretch>
+        </p:blipFill>
+        <p:spPr bwMode="auto">
+          <a:xfrm>
+            <a:off x="3578713" y="3215481"/>
+            <a:ext cx="2844148" cy="2327032"/>
+          </a:xfrm>
+          <a:prstGeom prst="rect">
+            <a:avLst/>
+          </a:prstGeom>
+          <a:noFill/>
+          <a:extLst>
+            <a:ext uri="{909E8E84-426E-40DD-AFC4-6F175D3DCCD1}">
+              <a14:hiddenFill xmlns:a14="http://schemas.microsoft.com/office/drawing/2010/main">
+                <a:solidFill>
+                  <a:srgbClr val="FFFFFF"/>
+                </a:solidFill>
+              </a14:hiddenFill>
+            </a:ext>
+          </a:extLst>
+        </p:spPr>
+      </p:pic>
+    </p:spTree>
+    <p:extLst>
+      <p:ext uri="{BB962C8B-B14F-4D97-AF65-F5344CB8AC3E}">
+        <p14:creationId xmlns:p14="http://schemas.microsoft.com/office/powerpoint/2010/main" val="3844724524"/>
+      </p:ext>
+    </p:extLst>
+  </p:cSld>
+  <p:clrMapOvr>
+    <a:masterClrMapping/>
+  </p:clrMapOvr>
+</p:sld>
+</file>
+
+<file path=ppt/slides/slide14.xml><?xml version="1.0" encoding="utf-8"?>
+<p:sld xmlns:a="http://schemas.openxmlformats.org/drawingml/2006/main" xmlns:r="http://schemas.openxmlformats.org/officeDocument/2006/relationships" xmlns:p="http://schemas.openxmlformats.org/presentationml/2006/main">
+  <p:cSld>
+    <p:spTree>
+      <p:nvGrpSpPr>
+        <p:cNvPr id="1" name=""/>
+        <p:cNvGrpSpPr/>
+        <p:nvPr/>
+      </p:nvGrpSpPr>
+      <p:grpSpPr>
+        <a:xfrm>
+          <a:off x="0" y="0"/>
+          <a:ext cx="0" cy="0"/>
+          <a:chOff x="0" y="0"/>
+          <a:chExt cx="0" cy="0"/>
+        </a:xfrm>
+      </p:grpSpPr>
+      <p:sp>
+        <p:nvSpPr>
+          <p:cNvPr id="2" name="Title 1"/>
+          <p:cNvSpPr>
+            <a:spLocks noGrp="1"/>
+          </p:cNvSpPr>
+          <p:nvPr>
+            <p:ph type="title"/>
+          </p:nvPr>
+        </p:nvSpPr>
+        <p:spPr/>
+        <p:txBody>
+          <a:bodyPr/>
+          <a:lstStyle/>
+          <a:p>
+            <a:r>
+              <a:rPr lang="en-US" dirty="0" smtClean="0"/>
+              <a:t>Non-static graphics</a:t>
+            </a:r>
+            <a:endParaRPr lang="en-US" dirty="0"/>
+          </a:p>
+        </p:txBody>
+      </p:sp>
+      <p:sp>
+        <p:nvSpPr>
+          <p:cNvPr id="3" name="Content Placeholder 2"/>
+          <p:cNvSpPr>
+            <a:spLocks noGrp="1"/>
+          </p:cNvSpPr>
+          <p:nvPr>
+            <p:ph idx="1"/>
+          </p:nvPr>
+        </p:nvSpPr>
+        <p:spPr/>
+        <p:txBody>
+          <a:bodyPr/>
+          <a:lstStyle/>
+          <a:p>
+            <a:pPr marL="0" indent="0">
+              <a:buNone/>
+            </a:pPr>
+            <a:r>
+              <a:rPr lang="en-US" dirty="0" smtClean="0"/>
+              <a:t>Other packages are better for animations, non-static graphics, and web-based graphics</a:t>
+            </a:r>
+          </a:p>
+          <a:p>
+            <a:r>
+              <a:rPr lang="en-US" dirty="0" err="1" smtClean="0"/>
+              <a:t>Bokeh</a:t>
+            </a:r>
+            <a:endParaRPr lang="en-US" dirty="0" smtClean="0"/>
+          </a:p>
+          <a:p>
+            <a:r>
+              <a:rPr lang="en-US" dirty="0" err="1" smtClean="0"/>
+              <a:t>Plotly</a:t>
+            </a:r>
+            <a:endParaRPr lang="en-US" dirty="0" smtClean="0"/>
+          </a:p>
+          <a:p>
+            <a:r>
+              <a:rPr lang="en-US" dirty="0" err="1" smtClean="0"/>
+              <a:t>Geoplotlib</a:t>
+            </a:r>
+            <a:endParaRPr lang="en-US" dirty="0" smtClean="0"/>
+          </a:p>
+          <a:p>
+            <a:r>
+              <a:rPr lang="en-US" dirty="0" err="1" smtClean="0"/>
+              <a:t>Seaborn</a:t>
+            </a:r>
+            <a:endParaRPr lang="en-US" dirty="0" smtClean="0"/>
+          </a:p>
+          <a:p>
+            <a:r>
+              <a:rPr lang="en-US" dirty="0" err="1" smtClean="0"/>
+              <a:t>ggplot</a:t>
+            </a:r>
+            <a:r>
+              <a:rPr lang="en-US" dirty="0" smtClean="0"/>
+              <a:t> (for you R pros – ported </a:t>
+            </a:r>
+            <a:r>
+              <a:rPr lang="en-US" dirty="0" err="1" smtClean="0"/>
+              <a:t>ggplot</a:t>
+            </a:r>
+            <a:r>
+              <a:rPr lang="en-US" dirty="0" smtClean="0"/>
+              <a:t> package)</a:t>
+            </a:r>
+            <a:endParaRPr lang="en-US" dirty="0"/>
+          </a:p>
+        </p:txBody>
+      </p:sp>
+    </p:spTree>
+    <p:extLst>
+      <p:ext uri="{BB962C8B-B14F-4D97-AF65-F5344CB8AC3E}">
+        <p14:creationId xmlns:p14="http://schemas.microsoft.com/office/powerpoint/2010/main" val="3510785984"/>
+      </p:ext>
+    </p:extLst>
+  </p:cSld>
+  <p:clrMapOvr>
+    <a:masterClrMapping/>
+  </p:clrMapOvr>
+</p:sld>
+</file>
+
+<file path=ppt/slides/slide15.xml><?xml version="1.0" encoding="utf-8"?>
+<p:sld xmlns:a="http://schemas.openxmlformats.org/drawingml/2006/main" xmlns:r="http://schemas.openxmlformats.org/officeDocument/2006/relationships" xmlns:p="http://schemas.openxmlformats.org/presentationml/2006/main">
+  <p:cSld>
+    <p:spTree>
+      <p:nvGrpSpPr>
+        <p:cNvPr id="1" name=""/>
+        <p:cNvGrpSpPr/>
+        <p:nvPr/>
+      </p:nvGrpSpPr>
+      <p:grpSpPr>
+        <a:xfrm>
+          <a:off x="0" y="0"/>
+          <a:ext cx="0" cy="0"/>
+          <a:chOff x="0" y="0"/>
+          <a:chExt cx="0" cy="0"/>
+        </a:xfrm>
+      </p:grpSpPr>
+      <p:sp>
+        <p:nvSpPr>
+          <p:cNvPr id="2" name="Title 1"/>
+          <p:cNvSpPr>
+            <a:spLocks noGrp="1"/>
+          </p:cNvSpPr>
+          <p:nvPr>
+            <p:ph type="title"/>
+          </p:nvPr>
+        </p:nvSpPr>
+        <p:spPr/>
+        <p:txBody>
+          <a:bodyPr/>
+          <a:lstStyle/>
+          <a:p>
+            <a:endParaRPr lang="en-US"/>
+          </a:p>
+        </p:txBody>
+      </p:sp>
+      <p:sp>
+        <p:nvSpPr>
+          <p:cNvPr id="3" name="Content Placeholder 2"/>
+          <p:cNvSpPr>
+            <a:spLocks noGrp="1"/>
+          </p:cNvSpPr>
+          <p:nvPr>
+            <p:ph idx="1"/>
+          </p:nvPr>
+        </p:nvSpPr>
+        <p:spPr/>
+        <p:txBody>
+          <a:bodyPr/>
+          <a:lstStyle/>
+          <a:p>
+            <a:endParaRPr lang="en-US"/>
+          </a:p>
+        </p:txBody>
+      </p:sp>
+    </p:spTree>
+    <p:extLst>
+      <p:ext uri="{BB962C8B-B14F-4D97-AF65-F5344CB8AC3E}">
+        <p14:creationId xmlns:p14="http://schemas.microsoft.com/office/powerpoint/2010/main" val="1215329878"/>
+      </p:ext>
+    </p:extLst>
+  </p:cSld>
+  <p:clrMapOvr>
+    <a:masterClrMapping/>
+  </p:clrMapOvr>
+</p:sld>
+</file>
+
 <file path=ppt/slides/slide2.xml><?xml version="1.0" encoding="utf-8"?>
 <p:sld xmlns:a="http://schemas.openxmlformats.org/drawingml/2006/main" xmlns:r="http://schemas.openxmlformats.org/officeDocument/2006/relationships" xmlns:p="http://schemas.openxmlformats.org/presentationml/2006/main">
   <p:cSld>
@@ -4495,19 +5158,25 @@
               <a:rPr lang="en-US" dirty="0" smtClean="0">
                 <a:latin typeface="Consolas" panose="020B0609020204030204" pitchFamily="49" charset="0"/>
               </a:rPr>
-              <a:t>(‘</a:t>
-            </a:r>
+              <a:t>(‘file’)</a:t>
+            </a:r>
+          </a:p>
+          <a:p>
+            <a:pPr lvl="2"/>
             <a:r>
               <a:rPr lang="en-US" dirty="0" smtClean="0">
                 <a:latin typeface="Consolas" panose="020B0609020204030204" pitchFamily="49" charset="0"/>
               </a:rPr>
-              <a:t>file</a:t>
-            </a:r>
+              <a:t>See documentation for many ways to modify this</a:t>
+            </a:r>
+          </a:p>
+          <a:p>
+            <a:pPr lvl="2"/>
             <a:r>
               <a:rPr lang="en-US" dirty="0" smtClean="0">
                 <a:latin typeface="Consolas" panose="020B0609020204030204" pitchFamily="49" charset="0"/>
               </a:rPr>
-              <a:t>’)</a:t>
+              <a:t>Pandas will guess at unknowns (it does a decent job)</a:t>
             </a:r>
           </a:p>
           <a:p>
@@ -4516,29 +5185,8 @@
               <a:rPr lang="en-US" dirty="0" smtClean="0">
                 <a:latin typeface="Consolas" panose="020B0609020204030204" pitchFamily="49" charset="0"/>
               </a:rPr>
-              <a:t>See documentation for many ways to modify this</a:t>
-            </a:r>
-          </a:p>
-          <a:p>
-            <a:pPr lvl="2"/>
-            <a:r>
-              <a:rPr lang="en-US" dirty="0" smtClean="0">
-                <a:latin typeface="Consolas" panose="020B0609020204030204" pitchFamily="49" charset="0"/>
-              </a:rPr>
-              <a:t>Pandas will guess at unknowns (it does a decent job)</a:t>
-            </a:r>
-          </a:p>
-          <a:p>
-            <a:pPr lvl="2"/>
-            <a:r>
-              <a:rPr lang="en-US" dirty="0" smtClean="0">
-                <a:latin typeface="Consolas" panose="020B0609020204030204" pitchFamily="49" charset="0"/>
-              </a:rPr>
               <a:t>Set it and forget it. It’s worth it.</a:t>
             </a:r>
-            <a:endParaRPr lang="en-US" dirty="0" smtClean="0">
-              <a:latin typeface="Consolas" panose="020B0609020204030204" pitchFamily="49" charset="0"/>
-            </a:endParaRPr>
           </a:p>
           <a:p>
             <a:pPr lvl="1"/>
